--- a/knowledgeSharing/TODO/Responsive Layout/Responsive Layout2.pptx
+++ b/knowledgeSharing/TODO/Responsive Layout/Responsive Layout2.pptx
@@ -11718,8 +11718,16 @@
           <a:lstStyle/>
           <a:p>
             <a:r>
-              <a:rPr lang="en-GB"/>
-              <a:t>CSS3 introduces a few new units, including the rem unit, which stands for "root em“, this almost always means the font size of the &lt;html&gt; element</a:t>
+              <a:rPr lang="en-GB" dirty="0"/>
+              <a:t>CSS3 introduces a few new units, including the rem unit, which stands for "root </a:t>
+            </a:r>
+            <a:r>
+              <a:rPr lang="en-GB" dirty="0" err="1"/>
+              <a:t>em</a:t>
+            </a:r>
+            <a:r>
+              <a:rPr lang="en-GB" dirty="0"/>
+              <a:t>“, this almost always means the font size of the &lt;html&gt; element</a:t>
             </a:r>
           </a:p>
           <a:p>
@@ -13520,7 +13528,10 @@
           <a:bodyPr/>
           <a:lstStyle/>
           <a:p>
-            <a:endParaRPr lang="en-GB"/>
+            <a:r>
+              <a:rPr lang="en-GB" dirty="0"/>
+              <a:t>Attributes</a:t>
+            </a:r>
           </a:p>
         </p:txBody>
       </p:sp>
@@ -13557,19 +13568,34 @@
           <a:p>
             <a:r>
               <a:rPr lang="en-US" dirty="0"/>
+              <a:t>Height</a:t>
+            </a:r>
+            <a:r>
+              <a:rPr lang="zh-CN" altLang="en-US" dirty="0"/>
+              <a:t>：</a:t>
+            </a:r>
+            <a:r>
+              <a:rPr lang="en-US" altLang="zh-CN" dirty="0"/>
+              <a:t>Height of the viewport in pixels</a:t>
+            </a:r>
+            <a:endParaRPr lang="en-US" dirty="0"/>
+          </a:p>
+          <a:p>
+            <a:r>
+              <a:rPr lang="en-US" dirty="0"/>
               <a:t>initial-scale:(0 to 10.0) Sets the scale of the page after its initial display.</a:t>
             </a:r>
           </a:p>
           <a:p>
             <a:r>
               <a:rPr lang="en-US" dirty="0"/>
-              <a:t>minimum-scale:(0 to 10.0) The minimum multiplier the user can "zoom out" to. Defaults to 0.25 on mobile Safari.</a:t>
+              <a:t>minimum-scale:(0 to 10.0) The minimum multiplier the user can "zoom out" to. </a:t>
             </a:r>
           </a:p>
           <a:p>
             <a:r>
               <a:rPr lang="en-US" dirty="0"/>
-              <a:t>maximum-scale:(0 to 10.0) The maximum multiplier the user can "zoom in" to. Defaults to 1.6 on mobile Safari.</a:t>
+              <a:t>maximum-scale:(0 to 10.0) The maximum multiplier the user can "zoom in" to. </a:t>
             </a:r>
           </a:p>
           <a:p>

--- a/knowledgeSharing/TODO/Responsive Layout/Responsive Layout2.pptx
+++ b/knowledgeSharing/TODO/Responsive Layout/Responsive Layout2.pptx
@@ -6,7 +6,7 @@
     <p:sldMasterId id="2147483668" r:id="rId2"/>
   </p:sldMasterIdLst>
   <p:notesMasterIdLst>
-    <p:notesMasterId r:id="rId21"/>
+    <p:notesMasterId r:id="rId23"/>
   </p:notesMasterIdLst>
   <p:sldIdLst>
     <p:sldId id="256" r:id="rId3"/>
@@ -23,10 +23,12 @@
     <p:sldId id="269" r:id="rId14"/>
     <p:sldId id="270" r:id="rId15"/>
     <p:sldId id="271" r:id="rId16"/>
-    <p:sldId id="272" r:id="rId17"/>
-    <p:sldId id="273" r:id="rId18"/>
-    <p:sldId id="274" r:id="rId19"/>
-    <p:sldId id="260" r:id="rId20"/>
+    <p:sldId id="277" r:id="rId17"/>
+    <p:sldId id="276" r:id="rId18"/>
+    <p:sldId id="272" r:id="rId19"/>
+    <p:sldId id="273" r:id="rId20"/>
+    <p:sldId id="274" r:id="rId21"/>
+    <p:sldId id="260" r:id="rId22"/>
   </p:sldIdLst>
   <p:sldSz cx="12192000" cy="6858000"/>
   <p:notesSz cx="6858000" cy="9144000"/>
@@ -133,6 +135,18 @@
 </p:presentation>
 </file>
 
+<file path=ppt/commentAuthors.xml><?xml version="1.0" encoding="utf-8"?>
+<p:cmAuthorLst xmlns:a="http://schemas.openxmlformats.org/drawingml/2006/main" xmlns:r="http://schemas.openxmlformats.org/officeDocument/2006/relationships" xmlns:p="http://schemas.openxmlformats.org/presentationml/2006/main">
+  <p:cmAuthor id="1" name="Gu, Xie Hai Bran" initials="GXHB" lastIdx="1" clrIdx="0">
+    <p:extLst>
+      <p:ext uri="{19B8F6BF-5375-455C-9EA6-DF929625EA0E}">
+        <p15:presenceInfo xmlns:p15="http://schemas.microsoft.com/office/powerpoint/2012/main" userId="S-1-5-21-606747145-796845957-725345543-739418" providerId="AD"/>
+      </p:ext>
+    </p:extLst>
+  </p:cmAuthor>
+</p:cmAuthorLst>
+</file>
+
 <file path=ppt/notesMasters/notesMaster1.xml><?xml version="1.0" encoding="utf-8"?>
 <p:notesMaster xmlns:a="http://schemas.openxmlformats.org/drawingml/2006/main" xmlns:r="http://schemas.openxmlformats.org/officeDocument/2006/relationships" xmlns:p="http://schemas.openxmlformats.org/presentationml/2006/main">
   <p:cSld>
@@ -215,7 +229,7 @@
           <a:p>
             <a:fld id="{C00C5E0D-B76F-47A8-91B1-C71AD6BE59C3}" type="datetimeFigureOut">
               <a:rPr lang="en-GB" smtClean="0"/>
-              <a:t>21/06/2018</a:t>
+              <a:t>09/07/2018</a:t>
             </a:fld>
             <a:endParaRPr lang="en-GB" dirty="0"/>
           </a:p>
@@ -1061,7 +1075,7 @@
     </p:spTree>
     <p:extLst>
       <p:ext uri="{BB962C8B-B14F-4D97-AF65-F5344CB8AC3E}">
-        <p14:creationId xmlns:p14="http://schemas.microsoft.com/office/powerpoint/2010/main" val="3495065490"/>
+        <p14:creationId xmlns:p14="http://schemas.microsoft.com/office/powerpoint/2010/main" val="509970700"/>
       </p:ext>
     </p:extLst>
   </p:cSld>
@@ -1145,7 +1159,7 @@
     </p:spTree>
     <p:extLst>
       <p:ext uri="{BB962C8B-B14F-4D97-AF65-F5344CB8AC3E}">
-        <p14:creationId xmlns:p14="http://schemas.microsoft.com/office/powerpoint/2010/main" val="2100701845"/>
+        <p14:creationId xmlns:p14="http://schemas.microsoft.com/office/powerpoint/2010/main" val="3167832004"/>
       </p:ext>
     </p:extLst>
   </p:cSld>
@@ -1229,7 +1243,7 @@
     </p:spTree>
     <p:extLst>
       <p:ext uri="{BB962C8B-B14F-4D97-AF65-F5344CB8AC3E}">
-        <p14:creationId xmlns:p14="http://schemas.microsoft.com/office/powerpoint/2010/main" val="1981961467"/>
+        <p14:creationId xmlns:p14="http://schemas.microsoft.com/office/powerpoint/2010/main" val="3495065490"/>
       </p:ext>
     </p:extLst>
   </p:cSld>
@@ -1266,12 +1280,7 @@
             <p:ph type="sldImg"/>
           </p:nvPr>
         </p:nvSpPr>
-        <p:spPr>
-          <a:xfrm>
-            <a:off x="381000" y="685800"/>
-            <a:ext cx="6096000" cy="3429000"/>
-          </a:xfrm>
-        </p:spPr>
+        <p:spPr/>
       </p:sp>
       <p:sp>
         <p:nvSpPr>
@@ -1288,7 +1297,7 @@
           <a:bodyPr/>
           <a:lstStyle/>
           <a:p>
-            <a:endParaRPr lang="en-GB" dirty="0"/>
+            <a:endParaRPr lang="en-GB"/>
           </a:p>
         </p:txBody>
       </p:sp>
@@ -1318,7 +1327,91 @@
     </p:spTree>
     <p:extLst>
       <p:ext uri="{BB962C8B-B14F-4D97-AF65-F5344CB8AC3E}">
-        <p14:creationId xmlns:p14="http://schemas.microsoft.com/office/powerpoint/2010/main" val="880472113"/>
+        <p14:creationId xmlns:p14="http://schemas.microsoft.com/office/powerpoint/2010/main" val="2100701845"/>
+      </p:ext>
+    </p:extLst>
+  </p:cSld>
+  <p:clrMapOvr>
+    <a:masterClrMapping/>
+  </p:clrMapOvr>
+</p:notes>
+</file>
+
+<file path=ppt/notesSlides/notesSlide19.xml><?xml version="1.0" encoding="utf-8"?>
+<p:notes xmlns:a="http://schemas.openxmlformats.org/drawingml/2006/main" xmlns:r="http://schemas.openxmlformats.org/officeDocument/2006/relationships" xmlns:p="http://schemas.openxmlformats.org/presentationml/2006/main">
+  <p:cSld>
+    <p:spTree>
+      <p:nvGrpSpPr>
+        <p:cNvPr id="1" name=""/>
+        <p:cNvGrpSpPr/>
+        <p:nvPr/>
+      </p:nvGrpSpPr>
+      <p:grpSpPr>
+        <a:xfrm>
+          <a:off x="0" y="0"/>
+          <a:ext cx="0" cy="0"/>
+          <a:chOff x="0" y="0"/>
+          <a:chExt cx="0" cy="0"/>
+        </a:xfrm>
+      </p:grpSpPr>
+      <p:sp>
+        <p:nvSpPr>
+          <p:cNvPr id="2" name="Slide Image Placeholder 1"/>
+          <p:cNvSpPr>
+            <a:spLocks noGrp="1" noRot="1" noChangeAspect="1"/>
+          </p:cNvSpPr>
+          <p:nvPr>
+            <p:ph type="sldImg"/>
+          </p:nvPr>
+        </p:nvSpPr>
+        <p:spPr/>
+      </p:sp>
+      <p:sp>
+        <p:nvSpPr>
+          <p:cNvPr id="3" name="Notes Placeholder 2"/>
+          <p:cNvSpPr>
+            <a:spLocks noGrp="1"/>
+          </p:cNvSpPr>
+          <p:nvPr>
+            <p:ph type="body" idx="1"/>
+          </p:nvPr>
+        </p:nvSpPr>
+        <p:spPr/>
+        <p:txBody>
+          <a:bodyPr/>
+          <a:lstStyle/>
+          <a:p>
+            <a:endParaRPr lang="en-GB"/>
+          </a:p>
+        </p:txBody>
+      </p:sp>
+      <p:sp>
+        <p:nvSpPr>
+          <p:cNvPr id="4" name="Slide Number Placeholder 3"/>
+          <p:cNvSpPr>
+            <a:spLocks noGrp="1"/>
+          </p:cNvSpPr>
+          <p:nvPr>
+            <p:ph type="sldNum" sz="quarter" idx="10"/>
+          </p:nvPr>
+        </p:nvSpPr>
+        <p:spPr/>
+        <p:txBody>
+          <a:bodyPr/>
+          <a:lstStyle/>
+          <a:p>
+            <a:fld id="{AD2EC2AB-FD5C-4EF7-AF8D-FB95907AF3A4}" type="slidenum">
+              <a:rPr lang="en-GB" smtClean="0"/>
+              <a:t>19</a:t>
+            </a:fld>
+            <a:endParaRPr lang="en-GB" dirty="0"/>
+          </a:p>
+        </p:txBody>
+      </p:sp>
+    </p:spTree>
+    <p:extLst>
+      <p:ext uri="{BB962C8B-B14F-4D97-AF65-F5344CB8AC3E}">
+        <p14:creationId xmlns:p14="http://schemas.microsoft.com/office/powerpoint/2010/main" val="1981961467"/>
       </p:ext>
     </p:extLst>
   </p:cSld>
@@ -1408,6 +1501,95 @@
     <p:extLst>
       <p:ext uri="{BB962C8B-B14F-4D97-AF65-F5344CB8AC3E}">
         <p14:creationId xmlns:p14="http://schemas.microsoft.com/office/powerpoint/2010/main" val="1302517810"/>
+      </p:ext>
+    </p:extLst>
+  </p:cSld>
+  <p:clrMapOvr>
+    <a:masterClrMapping/>
+  </p:clrMapOvr>
+</p:notes>
+</file>
+
+<file path=ppt/notesSlides/notesSlide20.xml><?xml version="1.0" encoding="utf-8"?>
+<p:notes xmlns:a="http://schemas.openxmlformats.org/drawingml/2006/main" xmlns:r="http://schemas.openxmlformats.org/officeDocument/2006/relationships" xmlns:p="http://schemas.openxmlformats.org/presentationml/2006/main">
+  <p:cSld>
+    <p:spTree>
+      <p:nvGrpSpPr>
+        <p:cNvPr id="1" name=""/>
+        <p:cNvGrpSpPr/>
+        <p:nvPr/>
+      </p:nvGrpSpPr>
+      <p:grpSpPr>
+        <a:xfrm>
+          <a:off x="0" y="0"/>
+          <a:ext cx="0" cy="0"/>
+          <a:chOff x="0" y="0"/>
+          <a:chExt cx="0" cy="0"/>
+        </a:xfrm>
+      </p:grpSpPr>
+      <p:sp>
+        <p:nvSpPr>
+          <p:cNvPr id="2" name="Slide Image Placeholder 1"/>
+          <p:cNvSpPr>
+            <a:spLocks noGrp="1" noRot="1" noChangeAspect="1"/>
+          </p:cNvSpPr>
+          <p:nvPr>
+            <p:ph type="sldImg"/>
+          </p:nvPr>
+        </p:nvSpPr>
+        <p:spPr>
+          <a:xfrm>
+            <a:off x="381000" y="685800"/>
+            <a:ext cx="6096000" cy="3429000"/>
+          </a:xfrm>
+        </p:spPr>
+      </p:sp>
+      <p:sp>
+        <p:nvSpPr>
+          <p:cNvPr id="3" name="Notes Placeholder 2"/>
+          <p:cNvSpPr>
+            <a:spLocks noGrp="1"/>
+          </p:cNvSpPr>
+          <p:nvPr>
+            <p:ph type="body" idx="1"/>
+          </p:nvPr>
+        </p:nvSpPr>
+        <p:spPr/>
+        <p:txBody>
+          <a:bodyPr/>
+          <a:lstStyle/>
+          <a:p>
+            <a:endParaRPr lang="en-GB" dirty="0"/>
+          </a:p>
+        </p:txBody>
+      </p:sp>
+      <p:sp>
+        <p:nvSpPr>
+          <p:cNvPr id="4" name="Slide Number Placeholder 3"/>
+          <p:cNvSpPr>
+            <a:spLocks noGrp="1"/>
+          </p:cNvSpPr>
+          <p:nvPr>
+            <p:ph type="sldNum" sz="quarter" idx="10"/>
+          </p:nvPr>
+        </p:nvSpPr>
+        <p:spPr/>
+        <p:txBody>
+          <a:bodyPr/>
+          <a:lstStyle/>
+          <a:p>
+            <a:fld id="{AD2EC2AB-FD5C-4EF7-AF8D-FB95907AF3A4}" type="slidenum">
+              <a:rPr lang="en-GB" smtClean="0"/>
+              <a:t>20</a:t>
+            </a:fld>
+            <a:endParaRPr lang="en-GB" dirty="0"/>
+          </a:p>
+        </p:txBody>
+      </p:sp>
+    </p:spTree>
+    <p:extLst>
+      <p:ext uri="{BB962C8B-B14F-4D97-AF65-F5344CB8AC3E}">
+        <p14:creationId xmlns:p14="http://schemas.microsoft.com/office/powerpoint/2010/main" val="880472113"/>
       </p:ext>
     </p:extLst>
   </p:cSld>
@@ -10958,78 +11140,31 @@
           <a:p>
             <a:r>
               <a:rPr lang="en-GB" dirty="0"/>
-              <a:t>Layout viewport &amp; visual viewport</a:t>
-            </a:r>
-          </a:p>
-        </p:txBody>
-      </p:sp>
-      <p:sp>
-        <p:nvSpPr>
-          <p:cNvPr id="3" name="Content Placeholder 2">
+              <a:t>Layout viewport &amp; visual viewport &amp;</a:t>
+            </a:r>
+            <a:r>
+              <a:rPr lang="en-US" dirty="0"/>
+              <a:t>Ideal viewport</a:t>
+            </a:r>
+            <a:endParaRPr lang="en-GB" dirty="0"/>
+          </a:p>
+        </p:txBody>
+      </p:sp>
+      <p:pic>
+        <p:nvPicPr>
+          <p:cNvPr id="7" name="Content Placeholder 6">
             <a:extLst>
               <a:ext uri="{FF2B5EF4-FFF2-40B4-BE49-F238E27FC236}">
-                <a16:creationId xmlns:a16="http://schemas.microsoft.com/office/drawing/2014/main" id="{370A8A78-92C1-4ECB-8F9E-51CD53509CD1}"/>
-              </a:ext>
-            </a:extLst>
-          </p:cNvPr>
-          <p:cNvSpPr>
-            <a:spLocks noGrp="1"/>
-          </p:cNvSpPr>
-          <p:nvPr>
-            <p:ph idx="1"/>
-          </p:nvPr>
-        </p:nvSpPr>
-        <p:spPr/>
-        <p:txBody>
-          <a:bodyPr/>
-          <a:lstStyle/>
-          <a:p>
-            <a:endParaRPr lang="en-GB"/>
-          </a:p>
-        </p:txBody>
-      </p:sp>
-      <p:sp>
-        <p:nvSpPr>
-          <p:cNvPr id="4" name="Slide Number Placeholder 3">
-            <a:extLst>
-              <a:ext uri="{FF2B5EF4-FFF2-40B4-BE49-F238E27FC236}">
-                <a16:creationId xmlns:a16="http://schemas.microsoft.com/office/drawing/2014/main" id="{ECF367AB-CE42-4145-A86D-A9E10C89A0D4}"/>
-              </a:ext>
-            </a:extLst>
-          </p:cNvPr>
-          <p:cNvSpPr>
-            <a:spLocks noGrp="1"/>
-          </p:cNvSpPr>
-          <p:nvPr>
-            <p:ph type="sldNum" sz="quarter" idx="12"/>
-          </p:nvPr>
-        </p:nvSpPr>
-        <p:spPr/>
-        <p:txBody>
-          <a:bodyPr/>
-          <a:lstStyle/>
-          <a:p>
-            <a:fld id="{5BA07366-CB75-4AA8-9E5B-928B849F427C}" type="slidenum">
-              <a:rPr lang="en-GB" smtClean="0"/>
-              <a:t>10</a:t>
-            </a:fld>
-            <a:endParaRPr lang="en-GB" dirty="0"/>
-          </a:p>
-        </p:txBody>
-      </p:sp>
-      <p:pic>
-        <p:nvPicPr>
-          <p:cNvPr id="5" name="Content Placeholder 5">
-            <a:extLst>
-              <a:ext uri="{FF2B5EF4-FFF2-40B4-BE49-F238E27FC236}">
-                <a16:creationId xmlns:a16="http://schemas.microsoft.com/office/drawing/2014/main" id="{F8B2135F-8C98-44A5-87BC-4A4786B5F5CB}"/>
+                <a16:creationId xmlns:a16="http://schemas.microsoft.com/office/drawing/2014/main" id="{C5BA8251-553B-4806-971B-B69AD25018D1}"/>
               </a:ext>
             </a:extLst>
           </p:cNvPr>
           <p:cNvPicPr>
-            <a:picLocks noChangeAspect="1"/>
+            <a:picLocks noGrp="1" noChangeAspect="1"/>
           </p:cNvPicPr>
-          <p:nvPr/>
+          <p:nvPr>
+            <p:ph idx="1"/>
+          </p:nvPr>
         </p:nvPicPr>
         <p:blipFill>
           <a:blip r:embed="rId3"/>
@@ -11039,14 +11174,43 @@
         </p:blipFill>
         <p:spPr>
           <a:xfrm>
-            <a:off x="417505" y="1219494"/>
-            <a:ext cx="11178621" cy="4205091"/>
+            <a:off x="2507664" y="1268413"/>
+            <a:ext cx="7176673" cy="4645025"/>
           </a:xfrm>
           <a:prstGeom prst="rect">
             <a:avLst/>
           </a:prstGeom>
         </p:spPr>
       </p:pic>
+      <p:sp>
+        <p:nvSpPr>
+          <p:cNvPr id="4" name="Slide Number Placeholder 3">
+            <a:extLst>
+              <a:ext uri="{FF2B5EF4-FFF2-40B4-BE49-F238E27FC236}">
+                <a16:creationId xmlns:a16="http://schemas.microsoft.com/office/drawing/2014/main" id="{ECF367AB-CE42-4145-A86D-A9E10C89A0D4}"/>
+              </a:ext>
+            </a:extLst>
+          </p:cNvPr>
+          <p:cNvSpPr>
+            <a:spLocks noGrp="1"/>
+          </p:cNvSpPr>
+          <p:nvPr>
+            <p:ph type="sldNum" sz="quarter" idx="12"/>
+          </p:nvPr>
+        </p:nvSpPr>
+        <p:spPr/>
+        <p:txBody>
+          <a:bodyPr/>
+          <a:lstStyle/>
+          <a:p>
+            <a:fld id="{5BA07366-CB75-4AA8-9E5B-928B849F427C}" type="slidenum">
+              <a:rPr lang="en-GB" smtClean="0"/>
+              <a:t>10</a:t>
+            </a:fld>
+            <a:endParaRPr lang="en-GB" dirty="0"/>
+          </a:p>
+        </p:txBody>
+      </p:sp>
     </p:spTree>
     <p:extLst>
       <p:ext uri="{BB962C8B-B14F-4D97-AF65-F5344CB8AC3E}">
@@ -11673,7 +11837,7 @@
           <p:cNvPr id="2" name="Title 1">
             <a:extLst>
               <a:ext uri="{FF2B5EF4-FFF2-40B4-BE49-F238E27FC236}">
-                <a16:creationId xmlns:a16="http://schemas.microsoft.com/office/drawing/2014/main" id="{5480D2DA-73C6-401D-9191-ACE8EB9707D2}"/>
+                <a16:creationId xmlns:a16="http://schemas.microsoft.com/office/drawing/2014/main" id="{BF1A2B9C-38F7-46AE-B0E5-AF182FFF3A7E}"/>
               </a:ext>
             </a:extLst>
           </p:cNvPr>
@@ -11690,47 +11854,9 @@
           <a:lstStyle/>
           <a:p>
             <a:r>
-              <a:rPr lang="en-GB" dirty="0"/>
-              <a:t>Rem</a:t>
-            </a:r>
-          </a:p>
-        </p:txBody>
-      </p:sp>
-      <p:sp>
-        <p:nvSpPr>
-          <p:cNvPr id="3" name="Content Placeholder 2">
-            <a:extLst>
-              <a:ext uri="{FF2B5EF4-FFF2-40B4-BE49-F238E27FC236}">
-                <a16:creationId xmlns:a16="http://schemas.microsoft.com/office/drawing/2014/main" id="{7DE7386E-0F6D-4455-8DEE-8568945DA4E0}"/>
-              </a:ext>
-            </a:extLst>
-          </p:cNvPr>
-          <p:cNvSpPr>
-            <a:spLocks noGrp="1"/>
-          </p:cNvSpPr>
-          <p:nvPr>
-            <p:ph idx="1"/>
-          </p:nvPr>
-        </p:nvSpPr>
-        <p:spPr/>
-        <p:txBody>
-          <a:bodyPr/>
-          <a:lstStyle/>
-          <a:p>
-            <a:r>
-              <a:rPr lang="en-GB" dirty="0"/>
-              <a:t>CSS3 introduces a few new units, including the rem unit, which stands for "root </a:t>
-            </a:r>
-            <a:r>
-              <a:rPr lang="en-GB" dirty="0" err="1"/>
-              <a:t>em</a:t>
-            </a:r>
-            <a:r>
-              <a:rPr lang="en-GB" dirty="0"/>
-              <a:t>“, this almost always means the font size of the &lt;html&gt; element</a:t>
-            </a:r>
-          </a:p>
-          <a:p>
+              <a:rPr lang="en-US" dirty="0"/>
+              <a:t>PPI(Pixels Per Inch)</a:t>
+            </a:r>
             <a:endParaRPr lang="en-GB" dirty="0"/>
           </a:p>
         </p:txBody>
@@ -11740,7 +11866,7 @@
           <p:cNvPr id="4" name="Slide Number Placeholder 3">
             <a:extLst>
               <a:ext uri="{FF2B5EF4-FFF2-40B4-BE49-F238E27FC236}">
-                <a16:creationId xmlns:a16="http://schemas.microsoft.com/office/drawing/2014/main" id="{CEEFA23F-3CBC-4190-BEBF-0201E596DDC7}"/>
+                <a16:creationId xmlns:a16="http://schemas.microsoft.com/office/drawing/2014/main" id="{689D4BD3-4AFD-4A9D-90DD-1C5AA4C6EDA1}"/>
               </a:ext>
             </a:extLst>
           </p:cNvPr>
@@ -11764,10 +11890,154 @@
           </a:p>
         </p:txBody>
       </p:sp>
+      <p:pic>
+        <p:nvPicPr>
+          <p:cNvPr id="9" name="Picture 8">
+            <a:extLst>
+              <a:ext uri="{FF2B5EF4-FFF2-40B4-BE49-F238E27FC236}">
+                <a16:creationId xmlns:a16="http://schemas.microsoft.com/office/drawing/2014/main" id="{2AFF7CB8-7154-41BC-8C65-1DB69E9E9C2B}"/>
+              </a:ext>
+            </a:extLst>
+          </p:cNvPr>
+          <p:cNvPicPr>
+            <a:picLocks noChangeAspect="1"/>
+          </p:cNvPicPr>
+          <p:nvPr/>
+        </p:nvPicPr>
+        <p:blipFill>
+          <a:blip r:embed="rId3"/>
+          <a:stretch>
+            <a:fillRect/>
+          </a:stretch>
+        </p:blipFill>
+        <p:spPr>
+          <a:xfrm>
+            <a:off x="474062" y="1447800"/>
+            <a:ext cx="4286250" cy="1238250"/>
+          </a:xfrm>
+          <a:prstGeom prst="rect">
+            <a:avLst/>
+          </a:prstGeom>
+        </p:spPr>
+      </p:pic>
+      <p:pic>
+        <p:nvPicPr>
+          <p:cNvPr id="12" name="Content Placeholder 11">
+            <a:extLst>
+              <a:ext uri="{FF2B5EF4-FFF2-40B4-BE49-F238E27FC236}">
+                <a16:creationId xmlns:a16="http://schemas.microsoft.com/office/drawing/2014/main" id="{92E7CD5B-CD13-44BC-825A-BC5784EB0B15}"/>
+              </a:ext>
+            </a:extLst>
+          </p:cNvPr>
+          <p:cNvPicPr>
+            <a:picLocks noGrp="1" noChangeAspect="1"/>
+          </p:cNvPicPr>
+          <p:nvPr>
+            <p:ph idx="1"/>
+          </p:nvPr>
+        </p:nvPicPr>
+        <p:blipFill>
+          <a:blip r:embed="rId4"/>
+          <a:stretch>
+            <a:fillRect/>
+          </a:stretch>
+        </p:blipFill>
+        <p:spPr>
+          <a:xfrm>
+            <a:off x="4906151" y="1219200"/>
+            <a:ext cx="6963773" cy="4645025"/>
+          </a:xfrm>
+          <a:prstGeom prst="rect">
+            <a:avLst/>
+          </a:prstGeom>
+        </p:spPr>
+      </p:pic>
+      <p:sp>
+        <p:nvSpPr>
+          <p:cNvPr id="14" name="TextBox 13">
+            <a:extLst>
+              <a:ext uri="{FF2B5EF4-FFF2-40B4-BE49-F238E27FC236}">
+                <a16:creationId xmlns:a16="http://schemas.microsoft.com/office/drawing/2014/main" id="{8F00774B-4D94-4F9F-8386-7AB0C9B273E0}"/>
+              </a:ext>
+            </a:extLst>
+          </p:cNvPr>
+          <p:cNvSpPr txBox="1"/>
+          <p:nvPr/>
+        </p:nvSpPr>
+        <p:spPr>
+          <a:xfrm>
+            <a:off x="1325749" y="3172648"/>
+            <a:ext cx="2971800" cy="256352"/>
+          </a:xfrm>
+          <a:prstGeom prst="rect">
+            <a:avLst/>
+          </a:prstGeom>
+          <a:noFill/>
+        </p:spPr>
+        <p:txBody>
+          <a:bodyPr wrap="square" lIns="0" tIns="0" rIns="0" bIns="0" rtlCol="0">
+            <a:spAutoFit/>
+          </a:bodyPr>
+          <a:lstStyle/>
+          <a:p>
+            <a:pPr>
+              <a:lnSpc>
+                <a:spcPct val="113000"/>
+              </a:lnSpc>
+              <a:spcBef>
+                <a:spcPts val="600"/>
+              </a:spcBef>
+            </a:pPr>
+            <a:r>
+              <a:rPr lang="en-US" sz="1600" dirty="0">
+                <a:solidFill>
+                  <a:srgbClr val="333333"/>
+                </a:solidFill>
+              </a:rPr>
+              <a:t>2560^2+1440^2/27</a:t>
+            </a:r>
+            <a:endParaRPr lang="en-GB" sz="1600" dirty="0" err="1">
+              <a:solidFill>
+                <a:srgbClr val="333333"/>
+              </a:solidFill>
+            </a:endParaRPr>
+          </a:p>
+        </p:txBody>
+      </p:sp>
+      <p:pic>
+        <p:nvPicPr>
+          <p:cNvPr id="16" name="Picture 15">
+            <a:extLst>
+              <a:ext uri="{FF2B5EF4-FFF2-40B4-BE49-F238E27FC236}">
+                <a16:creationId xmlns:a16="http://schemas.microsoft.com/office/drawing/2014/main" id="{891B8368-9419-4192-94B8-0382C73F5675}"/>
+              </a:ext>
+            </a:extLst>
+          </p:cNvPr>
+          <p:cNvPicPr>
+            <a:picLocks noChangeAspect="1"/>
+          </p:cNvPicPr>
+          <p:nvPr/>
+        </p:nvPicPr>
+        <p:blipFill>
+          <a:blip r:embed="rId5"/>
+          <a:stretch>
+            <a:fillRect/>
+          </a:stretch>
+        </p:blipFill>
+        <p:spPr>
+          <a:xfrm>
+            <a:off x="762000" y="3054535"/>
+            <a:ext cx="574934" cy="444129"/>
+          </a:xfrm>
+          <a:prstGeom prst="rect">
+            <a:avLst/>
+          </a:prstGeom>
+        </p:spPr>
+      </p:pic>
     </p:spTree>
     <p:extLst>
       <p:ext uri="{BB962C8B-B14F-4D97-AF65-F5344CB8AC3E}">
-        <p14:creationId xmlns:p14="http://schemas.microsoft.com/office/powerpoint/2010/main" val="3202059699"/>
+        <p14:creationId xmlns:p14="http://schemas.microsoft.com/office/powerpoint/2010/main" val="335034846"/>
       </p:ext>
     </p:extLst>
   </p:cSld>
@@ -11799,6 +12069,269 @@
           <p:cNvPr id="2" name="Title 1">
             <a:extLst>
               <a:ext uri="{FF2B5EF4-FFF2-40B4-BE49-F238E27FC236}">
+                <a16:creationId xmlns:a16="http://schemas.microsoft.com/office/drawing/2014/main" id="{0BF8B530-1782-40A6-8FD5-ACE7FC1F2471}"/>
+              </a:ext>
+            </a:extLst>
+          </p:cNvPr>
+          <p:cNvSpPr>
+            <a:spLocks noGrp="1"/>
+          </p:cNvSpPr>
+          <p:nvPr>
+            <p:ph type="title"/>
+          </p:nvPr>
+        </p:nvSpPr>
+        <p:spPr/>
+        <p:txBody>
+          <a:bodyPr/>
+          <a:lstStyle/>
+          <a:p>
+            <a:r>
+              <a:rPr lang="en-GB" dirty="0"/>
+              <a:t>D</a:t>
+            </a:r>
+            <a:r>
+              <a:rPr lang="en-US" altLang="zh-CN" dirty="0"/>
+              <a:t>emo</a:t>
+            </a:r>
+            <a:endParaRPr lang="en-GB" dirty="0"/>
+          </a:p>
+        </p:txBody>
+      </p:sp>
+      <p:sp>
+        <p:nvSpPr>
+          <p:cNvPr id="3" name="Content Placeholder 2">
+            <a:extLst>
+              <a:ext uri="{FF2B5EF4-FFF2-40B4-BE49-F238E27FC236}">
+                <a16:creationId xmlns:a16="http://schemas.microsoft.com/office/drawing/2014/main" id="{6773738D-0892-4041-A142-6635F5F50EC9}"/>
+              </a:ext>
+            </a:extLst>
+          </p:cNvPr>
+          <p:cNvSpPr>
+            <a:spLocks noGrp="1"/>
+          </p:cNvSpPr>
+          <p:nvPr>
+            <p:ph idx="1"/>
+          </p:nvPr>
+        </p:nvSpPr>
+        <p:spPr>
+          <a:xfrm>
+            <a:off x="334433" y="1255129"/>
+            <a:ext cx="11522208" cy="4644347"/>
+          </a:xfrm>
+        </p:spPr>
+        <p:txBody>
+          <a:bodyPr/>
+          <a:lstStyle/>
+          <a:p>
+            <a:r>
+              <a:rPr lang="en-GB" dirty="0"/>
+              <a:t>“1px” problem</a:t>
+            </a:r>
+          </a:p>
+          <a:p>
+            <a:endParaRPr lang="en-GB" dirty="0"/>
+          </a:p>
+          <a:p>
+            <a:r>
+              <a:rPr lang="en-GB" dirty="0">
+                <a:hlinkClick r:id="rId3" action="ppaction://hlinkfile"/>
+              </a:rPr>
+              <a:t>Demo</a:t>
+            </a:r>
+            <a:endParaRPr lang="en-GB" dirty="0"/>
+          </a:p>
+        </p:txBody>
+      </p:sp>
+      <p:sp>
+        <p:nvSpPr>
+          <p:cNvPr id="4" name="Slide Number Placeholder 3">
+            <a:extLst>
+              <a:ext uri="{FF2B5EF4-FFF2-40B4-BE49-F238E27FC236}">
+                <a16:creationId xmlns:a16="http://schemas.microsoft.com/office/drawing/2014/main" id="{C153B35A-67C4-467A-B7EB-B8F99AF6E0BE}"/>
+              </a:ext>
+            </a:extLst>
+          </p:cNvPr>
+          <p:cNvSpPr>
+            <a:spLocks noGrp="1"/>
+          </p:cNvSpPr>
+          <p:nvPr>
+            <p:ph type="sldNum" sz="quarter" idx="12"/>
+          </p:nvPr>
+        </p:nvSpPr>
+        <p:spPr/>
+        <p:txBody>
+          <a:bodyPr/>
+          <a:lstStyle/>
+          <a:p>
+            <a:fld id="{5BA07366-CB75-4AA8-9E5B-928B849F427C}" type="slidenum">
+              <a:rPr lang="en-GB" smtClean="0"/>
+              <a:t>16</a:t>
+            </a:fld>
+            <a:endParaRPr lang="en-GB" dirty="0"/>
+          </a:p>
+        </p:txBody>
+      </p:sp>
+    </p:spTree>
+    <p:extLst>
+      <p:ext uri="{BB962C8B-B14F-4D97-AF65-F5344CB8AC3E}">
+        <p14:creationId xmlns:p14="http://schemas.microsoft.com/office/powerpoint/2010/main" val="581997819"/>
+      </p:ext>
+    </p:extLst>
+  </p:cSld>
+  <p:clrMapOvr>
+    <a:masterClrMapping/>
+  </p:clrMapOvr>
+</p:sld>
+</file>
+
+<file path=ppt/slides/slide17.xml><?xml version="1.0" encoding="utf-8"?>
+<p:sld xmlns:a="http://schemas.openxmlformats.org/drawingml/2006/main" xmlns:r="http://schemas.openxmlformats.org/officeDocument/2006/relationships" xmlns:p="http://schemas.openxmlformats.org/presentationml/2006/main">
+  <p:cSld>
+    <p:spTree>
+      <p:nvGrpSpPr>
+        <p:cNvPr id="1" name=""/>
+        <p:cNvGrpSpPr/>
+        <p:nvPr/>
+      </p:nvGrpSpPr>
+      <p:grpSpPr>
+        <a:xfrm>
+          <a:off x="0" y="0"/>
+          <a:ext cx="0" cy="0"/>
+          <a:chOff x="0" y="0"/>
+          <a:chExt cx="0" cy="0"/>
+        </a:xfrm>
+      </p:grpSpPr>
+      <p:sp>
+        <p:nvSpPr>
+          <p:cNvPr id="2" name="Title 1">
+            <a:extLst>
+              <a:ext uri="{FF2B5EF4-FFF2-40B4-BE49-F238E27FC236}">
+                <a16:creationId xmlns:a16="http://schemas.microsoft.com/office/drawing/2014/main" id="{5480D2DA-73C6-401D-9191-ACE8EB9707D2}"/>
+              </a:ext>
+            </a:extLst>
+          </p:cNvPr>
+          <p:cNvSpPr>
+            <a:spLocks noGrp="1"/>
+          </p:cNvSpPr>
+          <p:nvPr>
+            <p:ph type="title"/>
+          </p:nvPr>
+        </p:nvSpPr>
+        <p:spPr/>
+        <p:txBody>
+          <a:bodyPr/>
+          <a:lstStyle/>
+          <a:p>
+            <a:r>
+              <a:rPr lang="en-GB" dirty="0"/>
+              <a:t>Rem</a:t>
+            </a:r>
+          </a:p>
+        </p:txBody>
+      </p:sp>
+      <p:sp>
+        <p:nvSpPr>
+          <p:cNvPr id="3" name="Content Placeholder 2">
+            <a:extLst>
+              <a:ext uri="{FF2B5EF4-FFF2-40B4-BE49-F238E27FC236}">
+                <a16:creationId xmlns:a16="http://schemas.microsoft.com/office/drawing/2014/main" id="{7DE7386E-0F6D-4455-8DEE-8568945DA4E0}"/>
+              </a:ext>
+            </a:extLst>
+          </p:cNvPr>
+          <p:cNvSpPr>
+            <a:spLocks noGrp="1"/>
+          </p:cNvSpPr>
+          <p:nvPr>
+            <p:ph idx="1"/>
+          </p:nvPr>
+        </p:nvSpPr>
+        <p:spPr/>
+        <p:txBody>
+          <a:bodyPr/>
+          <a:lstStyle/>
+          <a:p>
+            <a:r>
+              <a:rPr lang="en-GB" dirty="0"/>
+              <a:t>CSS3 introduces a few new units, including the rem unit, which stands for "root </a:t>
+            </a:r>
+            <a:r>
+              <a:rPr lang="en-GB" dirty="0" err="1"/>
+              <a:t>em</a:t>
+            </a:r>
+            <a:r>
+              <a:rPr lang="en-GB" dirty="0"/>
+              <a:t>“, this almost always means the font size of the &lt;html&gt; element</a:t>
+            </a:r>
+          </a:p>
+          <a:p>
+            <a:endParaRPr lang="en-GB" dirty="0"/>
+          </a:p>
+        </p:txBody>
+      </p:sp>
+      <p:sp>
+        <p:nvSpPr>
+          <p:cNvPr id="4" name="Slide Number Placeholder 3">
+            <a:extLst>
+              <a:ext uri="{FF2B5EF4-FFF2-40B4-BE49-F238E27FC236}">
+                <a16:creationId xmlns:a16="http://schemas.microsoft.com/office/drawing/2014/main" id="{CEEFA23F-3CBC-4190-BEBF-0201E596DDC7}"/>
+              </a:ext>
+            </a:extLst>
+          </p:cNvPr>
+          <p:cNvSpPr>
+            <a:spLocks noGrp="1"/>
+          </p:cNvSpPr>
+          <p:nvPr>
+            <p:ph type="sldNum" sz="quarter" idx="12"/>
+          </p:nvPr>
+        </p:nvSpPr>
+        <p:spPr/>
+        <p:txBody>
+          <a:bodyPr/>
+          <a:lstStyle/>
+          <a:p>
+            <a:fld id="{5BA07366-CB75-4AA8-9E5B-928B849F427C}" type="slidenum">
+              <a:rPr lang="en-GB" smtClean="0"/>
+              <a:t>17</a:t>
+            </a:fld>
+            <a:endParaRPr lang="en-GB" dirty="0"/>
+          </a:p>
+        </p:txBody>
+      </p:sp>
+    </p:spTree>
+    <p:extLst>
+      <p:ext uri="{BB962C8B-B14F-4D97-AF65-F5344CB8AC3E}">
+        <p14:creationId xmlns:p14="http://schemas.microsoft.com/office/powerpoint/2010/main" val="3202059699"/>
+      </p:ext>
+    </p:extLst>
+  </p:cSld>
+  <p:clrMapOvr>
+    <a:masterClrMapping/>
+  </p:clrMapOvr>
+</p:sld>
+</file>
+
+<file path=ppt/slides/slide18.xml><?xml version="1.0" encoding="utf-8"?>
+<p:sld xmlns:a="http://schemas.openxmlformats.org/drawingml/2006/main" xmlns:r="http://schemas.openxmlformats.org/officeDocument/2006/relationships" xmlns:p="http://schemas.openxmlformats.org/presentationml/2006/main">
+  <p:cSld>
+    <p:spTree>
+      <p:nvGrpSpPr>
+        <p:cNvPr id="1" name=""/>
+        <p:cNvGrpSpPr/>
+        <p:nvPr/>
+      </p:nvGrpSpPr>
+      <p:grpSpPr>
+        <a:xfrm>
+          <a:off x="0" y="0"/>
+          <a:ext cx="0" cy="0"/>
+          <a:chOff x="0" y="0"/>
+          <a:chExt cx="0" cy="0"/>
+        </a:xfrm>
+      </p:grpSpPr>
+      <p:sp>
+        <p:nvSpPr>
+          <p:cNvPr id="2" name="Title 1">
+            <a:extLst>
+              <a:ext uri="{FF2B5EF4-FFF2-40B4-BE49-F238E27FC236}">
                 <a16:creationId xmlns:a16="http://schemas.microsoft.com/office/drawing/2014/main" id="{85B83C53-5A3D-4ABD-ACB0-D383AB131E06}"/>
               </a:ext>
             </a:extLst>
@@ -11842,7 +12375,7 @@
           <a:p>
             <a:fld id="{5BA07366-CB75-4AA8-9E5B-928B849F427C}" type="slidenum">
               <a:rPr lang="en-GB" smtClean="0"/>
-              <a:t>16</a:t>
+              <a:t>18</a:t>
             </a:fld>
             <a:endParaRPr lang="en-GB" dirty="0"/>
           </a:p>
@@ -11893,7 +12426,7 @@
 </p:sld>
 </file>
 
-<file path=ppt/slides/slide17.xml><?xml version="1.0" encoding="utf-8"?>
+<file path=ppt/slides/slide19.xml><?xml version="1.0" encoding="utf-8"?>
 <p:sld xmlns:a="http://schemas.openxmlformats.org/drawingml/2006/main" xmlns:r="http://schemas.openxmlformats.org/officeDocument/2006/relationships" xmlns:p="http://schemas.openxmlformats.org/presentationml/2006/main">
   <p:cSld>
     <p:spTree>
@@ -12106,7 +12639,7 @@
           <a:p>
             <a:fld id="{5BA07366-CB75-4AA8-9E5B-928B849F427C}" type="slidenum">
               <a:rPr lang="en-GB" smtClean="0"/>
-              <a:t>17</a:t>
+              <a:t>19</a:t>
             </a:fld>
             <a:endParaRPr lang="en-GB" dirty="0"/>
           </a:p>
@@ -12116,153 +12649,6 @@
     <p:extLst>
       <p:ext uri="{BB962C8B-B14F-4D97-AF65-F5344CB8AC3E}">
         <p14:creationId xmlns:p14="http://schemas.microsoft.com/office/powerpoint/2010/main" val="2347732600"/>
-      </p:ext>
-    </p:extLst>
-  </p:cSld>
-  <p:clrMapOvr>
-    <a:masterClrMapping/>
-  </p:clrMapOvr>
-</p:sld>
-</file>
-
-<file path=ppt/slides/slide18.xml><?xml version="1.0" encoding="utf-8"?>
-<p:sld xmlns:a="http://schemas.openxmlformats.org/drawingml/2006/main" xmlns:r="http://schemas.openxmlformats.org/officeDocument/2006/relationships" xmlns:p="http://schemas.openxmlformats.org/presentationml/2006/main">
-  <p:cSld>
-    <p:spTree>
-      <p:nvGrpSpPr>
-        <p:cNvPr id="1" name=""/>
-        <p:cNvGrpSpPr/>
-        <p:nvPr/>
-      </p:nvGrpSpPr>
-      <p:grpSpPr>
-        <a:xfrm>
-          <a:off x="0" y="0"/>
-          <a:ext cx="0" cy="0"/>
-          <a:chOff x="0" y="0"/>
-          <a:chExt cx="0" cy="0"/>
-        </a:xfrm>
-      </p:grpSpPr>
-      <p:sp>
-        <p:nvSpPr>
-          <p:cNvPr id="24" name="Title 23"/>
-          <p:cNvSpPr>
-            <a:spLocks noGrp="1"/>
-          </p:cNvSpPr>
-          <p:nvPr>
-            <p:ph type="title"/>
-          </p:nvPr>
-        </p:nvSpPr>
-        <p:spPr/>
-        <p:txBody>
-          <a:bodyPr>
-            <a:normAutofit/>
-          </a:bodyPr>
-          <a:lstStyle/>
-          <a:p>
-            <a:r>
-              <a:rPr lang="en-GB" dirty="0"/>
-              <a:t>Thanks</a:t>
-            </a:r>
-          </a:p>
-        </p:txBody>
-      </p:sp>
-      <p:sp>
-        <p:nvSpPr>
-          <p:cNvPr id="6" name="Slide Number Placeholder 5"/>
-          <p:cNvSpPr>
-            <a:spLocks noGrp="1"/>
-          </p:cNvSpPr>
-          <p:nvPr>
-            <p:ph type="sldNum" sz="quarter" idx="12"/>
-          </p:nvPr>
-        </p:nvSpPr>
-        <p:spPr/>
-        <p:txBody>
-          <a:bodyPr>
-            <a:normAutofit/>
-          </a:bodyPr>
-          <a:lstStyle/>
-          <a:p>
-            <a:fld id="{5BA07366-CB75-4AA8-9E5B-928B849F427C}" type="slidenum">
-              <a:rPr lang="en-GB" smtClean="0"/>
-              <a:pPr/>
-              <a:t>18</a:t>
-            </a:fld>
-            <a:endParaRPr lang="en-GB" dirty="0"/>
-          </a:p>
-        </p:txBody>
-      </p:sp>
-      <p:sp>
-        <p:nvSpPr>
-          <p:cNvPr id="25" name="Text Placeholder 24"/>
-          <p:cNvSpPr>
-            <a:spLocks noGrp="1"/>
-          </p:cNvSpPr>
-          <p:nvPr>
-            <p:ph type="body" sz="quarter" idx="13"/>
-          </p:nvPr>
-        </p:nvSpPr>
-        <p:spPr/>
-        <p:txBody>
-          <a:bodyPr>
-            <a:normAutofit/>
-          </a:bodyPr>
-          <a:lstStyle/>
-          <a:p>
-            <a:endParaRPr lang="en-GB" dirty="0"/>
-          </a:p>
-        </p:txBody>
-      </p:sp>
-      <p:sp>
-        <p:nvSpPr>
-          <p:cNvPr id="26" name="Text Placeholder 25"/>
-          <p:cNvSpPr>
-            <a:spLocks noGrp="1"/>
-          </p:cNvSpPr>
-          <p:nvPr>
-            <p:ph type="body" sz="quarter" idx="14"/>
-          </p:nvPr>
-        </p:nvSpPr>
-        <p:spPr/>
-        <p:txBody>
-          <a:bodyPr>
-            <a:normAutofit/>
-          </a:bodyPr>
-          <a:lstStyle/>
-          <a:p>
-            <a:r>
-              <a:rPr lang="en-US" altLang="zh-CN" dirty="0"/>
-              <a:t>Xie.hai.bran.gu@dnvgl.com</a:t>
-            </a:r>
-            <a:endParaRPr lang="en-GB" dirty="0"/>
-          </a:p>
-        </p:txBody>
-      </p:sp>
-      <p:sp>
-        <p:nvSpPr>
-          <p:cNvPr id="27" name="Text Placeholder 26"/>
-          <p:cNvSpPr>
-            <a:spLocks noGrp="1"/>
-          </p:cNvSpPr>
-          <p:nvPr>
-            <p:ph type="body" sz="quarter" idx="15"/>
-          </p:nvPr>
-        </p:nvSpPr>
-        <p:spPr/>
-        <p:txBody>
-          <a:bodyPr>
-            <a:normAutofit/>
-          </a:bodyPr>
-          <a:lstStyle/>
-          <a:p>
-            <a:endParaRPr lang="en-GB" dirty="0"/>
-          </a:p>
-        </p:txBody>
-      </p:sp>
-    </p:spTree>
-    <p:extLst>
-      <p:ext uri="{BB962C8B-B14F-4D97-AF65-F5344CB8AC3E}">
-        <p14:creationId xmlns:p14="http://schemas.microsoft.com/office/powerpoint/2010/main" val="3281650295"/>
       </p:ext>
     </p:extLst>
   </p:cSld>
@@ -12415,6 +12801,153 @@
     <p:extLst>
       <p:ext uri="{BB962C8B-B14F-4D97-AF65-F5344CB8AC3E}">
         <p14:creationId xmlns:p14="http://schemas.microsoft.com/office/powerpoint/2010/main" val="4285169968"/>
+      </p:ext>
+    </p:extLst>
+  </p:cSld>
+  <p:clrMapOvr>
+    <a:masterClrMapping/>
+  </p:clrMapOvr>
+</p:sld>
+</file>
+
+<file path=ppt/slides/slide20.xml><?xml version="1.0" encoding="utf-8"?>
+<p:sld xmlns:a="http://schemas.openxmlformats.org/drawingml/2006/main" xmlns:r="http://schemas.openxmlformats.org/officeDocument/2006/relationships" xmlns:p="http://schemas.openxmlformats.org/presentationml/2006/main">
+  <p:cSld>
+    <p:spTree>
+      <p:nvGrpSpPr>
+        <p:cNvPr id="1" name=""/>
+        <p:cNvGrpSpPr/>
+        <p:nvPr/>
+      </p:nvGrpSpPr>
+      <p:grpSpPr>
+        <a:xfrm>
+          <a:off x="0" y="0"/>
+          <a:ext cx="0" cy="0"/>
+          <a:chOff x="0" y="0"/>
+          <a:chExt cx="0" cy="0"/>
+        </a:xfrm>
+      </p:grpSpPr>
+      <p:sp>
+        <p:nvSpPr>
+          <p:cNvPr id="24" name="Title 23"/>
+          <p:cNvSpPr>
+            <a:spLocks noGrp="1"/>
+          </p:cNvSpPr>
+          <p:nvPr>
+            <p:ph type="title"/>
+          </p:nvPr>
+        </p:nvSpPr>
+        <p:spPr/>
+        <p:txBody>
+          <a:bodyPr>
+            <a:normAutofit/>
+          </a:bodyPr>
+          <a:lstStyle/>
+          <a:p>
+            <a:r>
+              <a:rPr lang="en-GB" dirty="0"/>
+              <a:t>Thanks</a:t>
+            </a:r>
+          </a:p>
+        </p:txBody>
+      </p:sp>
+      <p:sp>
+        <p:nvSpPr>
+          <p:cNvPr id="6" name="Slide Number Placeholder 5"/>
+          <p:cNvSpPr>
+            <a:spLocks noGrp="1"/>
+          </p:cNvSpPr>
+          <p:nvPr>
+            <p:ph type="sldNum" sz="quarter" idx="12"/>
+          </p:nvPr>
+        </p:nvSpPr>
+        <p:spPr/>
+        <p:txBody>
+          <a:bodyPr>
+            <a:normAutofit/>
+          </a:bodyPr>
+          <a:lstStyle/>
+          <a:p>
+            <a:fld id="{5BA07366-CB75-4AA8-9E5B-928B849F427C}" type="slidenum">
+              <a:rPr lang="en-GB" smtClean="0"/>
+              <a:pPr/>
+              <a:t>20</a:t>
+            </a:fld>
+            <a:endParaRPr lang="en-GB" dirty="0"/>
+          </a:p>
+        </p:txBody>
+      </p:sp>
+      <p:sp>
+        <p:nvSpPr>
+          <p:cNvPr id="25" name="Text Placeholder 24"/>
+          <p:cNvSpPr>
+            <a:spLocks noGrp="1"/>
+          </p:cNvSpPr>
+          <p:nvPr>
+            <p:ph type="body" sz="quarter" idx="13"/>
+          </p:nvPr>
+        </p:nvSpPr>
+        <p:spPr/>
+        <p:txBody>
+          <a:bodyPr>
+            <a:normAutofit/>
+          </a:bodyPr>
+          <a:lstStyle/>
+          <a:p>
+            <a:endParaRPr lang="en-GB" dirty="0"/>
+          </a:p>
+        </p:txBody>
+      </p:sp>
+      <p:sp>
+        <p:nvSpPr>
+          <p:cNvPr id="26" name="Text Placeholder 25"/>
+          <p:cNvSpPr>
+            <a:spLocks noGrp="1"/>
+          </p:cNvSpPr>
+          <p:nvPr>
+            <p:ph type="body" sz="quarter" idx="14"/>
+          </p:nvPr>
+        </p:nvSpPr>
+        <p:spPr/>
+        <p:txBody>
+          <a:bodyPr>
+            <a:normAutofit/>
+          </a:bodyPr>
+          <a:lstStyle/>
+          <a:p>
+            <a:r>
+              <a:rPr lang="en-US" altLang="zh-CN" dirty="0"/>
+              <a:t>Xie.hai.bran.gu@dnvgl.com</a:t>
+            </a:r>
+            <a:endParaRPr lang="en-GB" dirty="0"/>
+          </a:p>
+        </p:txBody>
+      </p:sp>
+      <p:sp>
+        <p:nvSpPr>
+          <p:cNvPr id="27" name="Text Placeholder 26"/>
+          <p:cNvSpPr>
+            <a:spLocks noGrp="1"/>
+          </p:cNvSpPr>
+          <p:nvPr>
+            <p:ph type="body" sz="quarter" idx="15"/>
+          </p:nvPr>
+        </p:nvSpPr>
+        <p:spPr/>
+        <p:txBody>
+          <a:bodyPr>
+            <a:normAutofit/>
+          </a:bodyPr>
+          <a:lstStyle/>
+          <a:p>
+            <a:endParaRPr lang="en-GB" dirty="0"/>
+          </a:p>
+        </p:txBody>
+      </p:sp>
+    </p:spTree>
+    <p:extLst>
+      <p:ext uri="{BB962C8B-B14F-4D97-AF65-F5344CB8AC3E}">
+        <p14:creationId xmlns:p14="http://schemas.microsoft.com/office/powerpoint/2010/main" val="3281650295"/>
       </p:ext>
     </p:extLst>
   </p:cSld>
@@ -13286,6 +13819,12 @@
             <a:r>
               <a:rPr lang="en-GB" dirty="0"/>
               <a:t> (Device pixel ratio)</a:t>
+            </a:r>
+          </a:p>
+          <a:p>
+            <a:r>
+              <a:rPr lang="en-US" dirty="0"/>
+              <a:t>3. PPI(Pixels Per Inch)</a:t>
             </a:r>
           </a:p>
           <a:p>

--- a/knowledgeSharing/TODO/Responsive Layout/Responsive Layout2.pptx
+++ b/knowledgeSharing/TODO/Responsive Layout/Responsive Layout2.pptx
@@ -6,7 +6,7 @@
     <p:sldMasterId id="2147483668" r:id="rId2"/>
   </p:sldMasterIdLst>
   <p:notesMasterIdLst>
-    <p:notesMasterId r:id="rId23"/>
+    <p:notesMasterId r:id="rId24"/>
   </p:notesMasterIdLst>
   <p:sldIdLst>
     <p:sldId id="256" r:id="rId3"/>
@@ -15,20 +15,21 @@
     <p:sldId id="262" r:id="rId6"/>
     <p:sldId id="263" r:id="rId7"/>
     <p:sldId id="264" r:id="rId8"/>
-    <p:sldId id="265" r:id="rId9"/>
-    <p:sldId id="266" r:id="rId10"/>
-    <p:sldId id="275" r:id="rId11"/>
-    <p:sldId id="267" r:id="rId12"/>
-    <p:sldId id="268" r:id="rId13"/>
-    <p:sldId id="269" r:id="rId14"/>
-    <p:sldId id="270" r:id="rId15"/>
-    <p:sldId id="271" r:id="rId16"/>
-    <p:sldId id="277" r:id="rId17"/>
-    <p:sldId id="276" r:id="rId18"/>
-    <p:sldId id="272" r:id="rId19"/>
-    <p:sldId id="273" r:id="rId20"/>
-    <p:sldId id="274" r:id="rId21"/>
-    <p:sldId id="260" r:id="rId22"/>
+    <p:sldId id="278" r:id="rId9"/>
+    <p:sldId id="265" r:id="rId10"/>
+    <p:sldId id="266" r:id="rId11"/>
+    <p:sldId id="275" r:id="rId12"/>
+    <p:sldId id="267" r:id="rId13"/>
+    <p:sldId id="268" r:id="rId14"/>
+    <p:sldId id="269" r:id="rId15"/>
+    <p:sldId id="270" r:id="rId16"/>
+    <p:sldId id="271" r:id="rId17"/>
+    <p:sldId id="277" r:id="rId18"/>
+    <p:sldId id="276" r:id="rId19"/>
+    <p:sldId id="272" r:id="rId20"/>
+    <p:sldId id="273" r:id="rId21"/>
+    <p:sldId id="274" r:id="rId22"/>
+    <p:sldId id="260" r:id="rId23"/>
   </p:sldIdLst>
   <p:sldSz cx="12192000" cy="6858000"/>
   <p:notesSz cx="6858000" cy="9144000"/>
@@ -229,7 +230,7 @@
           <a:p>
             <a:fld id="{C00C5E0D-B76F-47A8-91B1-C71AD6BE59C3}" type="datetimeFigureOut">
               <a:rPr lang="en-GB" smtClean="0"/>
-              <a:t>09/07/2018</a:t>
+              <a:t>22/08/2018</a:t>
             </a:fld>
             <a:endParaRPr lang="en-GB" dirty="0"/>
           </a:p>
@@ -655,7 +656,7 @@
     </p:spTree>
     <p:extLst>
       <p:ext uri="{BB962C8B-B14F-4D97-AF65-F5344CB8AC3E}">
-        <p14:creationId xmlns:p14="http://schemas.microsoft.com/office/powerpoint/2010/main" val="1178322966"/>
+        <p14:creationId xmlns:p14="http://schemas.microsoft.com/office/powerpoint/2010/main" val="40259778"/>
       </p:ext>
     </p:extLst>
   </p:cSld>
@@ -739,7 +740,7 @@
     </p:spTree>
     <p:extLst>
       <p:ext uri="{BB962C8B-B14F-4D97-AF65-F5344CB8AC3E}">
-        <p14:creationId xmlns:p14="http://schemas.microsoft.com/office/powerpoint/2010/main" val="1371130673"/>
+        <p14:creationId xmlns:p14="http://schemas.microsoft.com/office/powerpoint/2010/main" val="1178322966"/>
       </p:ext>
     </p:extLst>
   </p:cSld>
@@ -823,7 +824,7 @@
     </p:spTree>
     <p:extLst>
       <p:ext uri="{BB962C8B-B14F-4D97-AF65-F5344CB8AC3E}">
-        <p14:creationId xmlns:p14="http://schemas.microsoft.com/office/powerpoint/2010/main" val="187339460"/>
+        <p14:creationId xmlns:p14="http://schemas.microsoft.com/office/powerpoint/2010/main" val="1371130673"/>
       </p:ext>
     </p:extLst>
   </p:cSld>
@@ -907,7 +908,7 @@
     </p:spTree>
     <p:extLst>
       <p:ext uri="{BB962C8B-B14F-4D97-AF65-F5344CB8AC3E}">
-        <p14:creationId xmlns:p14="http://schemas.microsoft.com/office/powerpoint/2010/main" val="494324825"/>
+        <p14:creationId xmlns:p14="http://schemas.microsoft.com/office/powerpoint/2010/main" val="187339460"/>
       </p:ext>
     </p:extLst>
   </p:cSld>
@@ -991,7 +992,7 @@
     </p:spTree>
     <p:extLst>
       <p:ext uri="{BB962C8B-B14F-4D97-AF65-F5344CB8AC3E}">
-        <p14:creationId xmlns:p14="http://schemas.microsoft.com/office/powerpoint/2010/main" val="1544645437"/>
+        <p14:creationId xmlns:p14="http://schemas.microsoft.com/office/powerpoint/2010/main" val="494324825"/>
       </p:ext>
     </p:extLst>
   </p:cSld>
@@ -1075,7 +1076,7 @@
     </p:spTree>
     <p:extLst>
       <p:ext uri="{BB962C8B-B14F-4D97-AF65-F5344CB8AC3E}">
-        <p14:creationId xmlns:p14="http://schemas.microsoft.com/office/powerpoint/2010/main" val="509970700"/>
+        <p14:creationId xmlns:p14="http://schemas.microsoft.com/office/powerpoint/2010/main" val="1544645437"/>
       </p:ext>
     </p:extLst>
   </p:cSld>
@@ -1159,7 +1160,7 @@
     </p:spTree>
     <p:extLst>
       <p:ext uri="{BB962C8B-B14F-4D97-AF65-F5344CB8AC3E}">
-        <p14:creationId xmlns:p14="http://schemas.microsoft.com/office/powerpoint/2010/main" val="3167832004"/>
+        <p14:creationId xmlns:p14="http://schemas.microsoft.com/office/powerpoint/2010/main" val="509970700"/>
       </p:ext>
     </p:extLst>
   </p:cSld>
@@ -1243,7 +1244,7 @@
     </p:spTree>
     <p:extLst>
       <p:ext uri="{BB962C8B-B14F-4D97-AF65-F5344CB8AC3E}">
-        <p14:creationId xmlns:p14="http://schemas.microsoft.com/office/powerpoint/2010/main" val="3495065490"/>
+        <p14:creationId xmlns:p14="http://schemas.microsoft.com/office/powerpoint/2010/main" val="3167832004"/>
       </p:ext>
     </p:extLst>
   </p:cSld>
@@ -1327,7 +1328,7 @@
     </p:spTree>
     <p:extLst>
       <p:ext uri="{BB962C8B-B14F-4D97-AF65-F5344CB8AC3E}">
-        <p14:creationId xmlns:p14="http://schemas.microsoft.com/office/powerpoint/2010/main" val="2100701845"/>
+        <p14:creationId xmlns:p14="http://schemas.microsoft.com/office/powerpoint/2010/main" val="3495065490"/>
       </p:ext>
     </p:extLst>
   </p:cSld>
@@ -1411,7 +1412,7 @@
     </p:spTree>
     <p:extLst>
       <p:ext uri="{BB962C8B-B14F-4D97-AF65-F5344CB8AC3E}">
-        <p14:creationId xmlns:p14="http://schemas.microsoft.com/office/powerpoint/2010/main" val="1981961467"/>
+        <p14:creationId xmlns:p14="http://schemas.microsoft.com/office/powerpoint/2010/main" val="2100701845"/>
       </p:ext>
     </p:extLst>
   </p:cSld>
@@ -1537,6 +1538,90 @@
             <p:ph type="sldImg"/>
           </p:nvPr>
         </p:nvSpPr>
+        <p:spPr/>
+      </p:sp>
+      <p:sp>
+        <p:nvSpPr>
+          <p:cNvPr id="3" name="Notes Placeholder 2"/>
+          <p:cNvSpPr>
+            <a:spLocks noGrp="1"/>
+          </p:cNvSpPr>
+          <p:nvPr>
+            <p:ph type="body" idx="1"/>
+          </p:nvPr>
+        </p:nvSpPr>
+        <p:spPr/>
+        <p:txBody>
+          <a:bodyPr/>
+          <a:lstStyle/>
+          <a:p>
+            <a:endParaRPr lang="en-GB"/>
+          </a:p>
+        </p:txBody>
+      </p:sp>
+      <p:sp>
+        <p:nvSpPr>
+          <p:cNvPr id="4" name="Slide Number Placeholder 3"/>
+          <p:cNvSpPr>
+            <a:spLocks noGrp="1"/>
+          </p:cNvSpPr>
+          <p:nvPr>
+            <p:ph type="sldNum" sz="quarter" idx="10"/>
+          </p:nvPr>
+        </p:nvSpPr>
+        <p:spPr/>
+        <p:txBody>
+          <a:bodyPr/>
+          <a:lstStyle/>
+          <a:p>
+            <a:fld id="{AD2EC2AB-FD5C-4EF7-AF8D-FB95907AF3A4}" type="slidenum">
+              <a:rPr lang="en-GB" smtClean="0"/>
+              <a:t>20</a:t>
+            </a:fld>
+            <a:endParaRPr lang="en-GB" dirty="0"/>
+          </a:p>
+        </p:txBody>
+      </p:sp>
+    </p:spTree>
+    <p:extLst>
+      <p:ext uri="{BB962C8B-B14F-4D97-AF65-F5344CB8AC3E}">
+        <p14:creationId xmlns:p14="http://schemas.microsoft.com/office/powerpoint/2010/main" val="1981961467"/>
+      </p:ext>
+    </p:extLst>
+  </p:cSld>
+  <p:clrMapOvr>
+    <a:masterClrMapping/>
+  </p:clrMapOvr>
+</p:notes>
+</file>
+
+<file path=ppt/notesSlides/notesSlide21.xml><?xml version="1.0" encoding="utf-8"?>
+<p:notes xmlns:a="http://schemas.openxmlformats.org/drawingml/2006/main" xmlns:r="http://schemas.openxmlformats.org/officeDocument/2006/relationships" xmlns:p="http://schemas.openxmlformats.org/presentationml/2006/main">
+  <p:cSld>
+    <p:spTree>
+      <p:nvGrpSpPr>
+        <p:cNvPr id="1" name=""/>
+        <p:cNvGrpSpPr/>
+        <p:nvPr/>
+      </p:nvGrpSpPr>
+      <p:grpSpPr>
+        <a:xfrm>
+          <a:off x="0" y="0"/>
+          <a:ext cx="0" cy="0"/>
+          <a:chOff x="0" y="0"/>
+          <a:chExt cx="0" cy="0"/>
+        </a:xfrm>
+      </p:grpSpPr>
+      <p:sp>
+        <p:nvSpPr>
+          <p:cNvPr id="2" name="Slide Image Placeholder 1"/>
+          <p:cNvSpPr>
+            <a:spLocks noGrp="1" noRot="1" noChangeAspect="1"/>
+          </p:cNvSpPr>
+          <p:nvPr>
+            <p:ph type="sldImg"/>
+          </p:nvPr>
+        </p:nvSpPr>
         <p:spPr>
           <a:xfrm>
             <a:off x="381000" y="685800"/>
@@ -1580,7 +1665,7 @@
           <a:p>
             <a:fld id="{AD2EC2AB-FD5C-4EF7-AF8D-FB95907AF3A4}" type="slidenum">
               <a:rPr lang="en-GB" smtClean="0"/>
-              <a:t>20</a:t>
+              <a:t>21</a:t>
             </a:fld>
             <a:endParaRPr lang="en-GB" dirty="0"/>
           </a:p>
@@ -2009,7 +2094,7 @@
     </p:spTree>
     <p:extLst>
       <p:ext uri="{BB962C8B-B14F-4D97-AF65-F5344CB8AC3E}">
-        <p14:creationId xmlns:p14="http://schemas.microsoft.com/office/powerpoint/2010/main" val="1834320275"/>
+        <p14:creationId xmlns:p14="http://schemas.microsoft.com/office/powerpoint/2010/main" val="1020741330"/>
       </p:ext>
     </p:extLst>
   </p:cSld>
@@ -2093,7 +2178,7 @@
     </p:spTree>
     <p:extLst>
       <p:ext uri="{BB962C8B-B14F-4D97-AF65-F5344CB8AC3E}">
-        <p14:creationId xmlns:p14="http://schemas.microsoft.com/office/powerpoint/2010/main" val="2386025554"/>
+        <p14:creationId xmlns:p14="http://schemas.microsoft.com/office/powerpoint/2010/main" val="1834320275"/>
       </p:ext>
     </p:extLst>
   </p:cSld>
@@ -2177,7 +2262,7 @@
     </p:spTree>
     <p:extLst>
       <p:ext uri="{BB962C8B-B14F-4D97-AF65-F5344CB8AC3E}">
-        <p14:creationId xmlns:p14="http://schemas.microsoft.com/office/powerpoint/2010/main" val="40259778"/>
+        <p14:creationId xmlns:p14="http://schemas.microsoft.com/office/powerpoint/2010/main" val="2386025554"/>
       </p:ext>
     </p:extLst>
   </p:cSld>
@@ -11122,7 +11207,7 @@
           <p:cNvPr id="2" name="Title 1">
             <a:extLst>
               <a:ext uri="{FF2B5EF4-FFF2-40B4-BE49-F238E27FC236}">
-                <a16:creationId xmlns:a16="http://schemas.microsoft.com/office/drawing/2014/main" id="{16E8498A-1881-41D2-9162-48C5ADF89F6F}"/>
+                <a16:creationId xmlns:a16="http://schemas.microsoft.com/office/drawing/2014/main" id="{32DF9A59-C84E-43E7-B48C-B0853DBDE0BC}"/>
               </a:ext>
             </a:extLst>
           </p:cNvPr>
@@ -11140,54 +11225,89 @@
           <a:p>
             <a:r>
               <a:rPr lang="en-GB" dirty="0"/>
-              <a:t>Layout viewport &amp; visual viewport &amp;</a:t>
-            </a:r>
-            <a:r>
-              <a:rPr lang="en-US" dirty="0"/>
-              <a:t>Ideal viewport</a:t>
-            </a:r>
-            <a:endParaRPr lang="en-GB" dirty="0"/>
-          </a:p>
-        </p:txBody>
-      </p:sp>
-      <p:pic>
-        <p:nvPicPr>
-          <p:cNvPr id="7" name="Content Placeholder 6">
+              <a:t>Attributes</a:t>
+            </a:r>
+          </a:p>
+        </p:txBody>
+      </p:sp>
+      <p:sp>
+        <p:nvSpPr>
+          <p:cNvPr id="3" name="Content Placeholder 2">
             <a:extLst>
               <a:ext uri="{FF2B5EF4-FFF2-40B4-BE49-F238E27FC236}">
-                <a16:creationId xmlns:a16="http://schemas.microsoft.com/office/drawing/2014/main" id="{C5BA8251-553B-4806-971B-B69AD25018D1}"/>
+                <a16:creationId xmlns:a16="http://schemas.microsoft.com/office/drawing/2014/main" id="{E80A9AF1-F687-4AE6-8573-632C817AD738}"/>
               </a:ext>
             </a:extLst>
           </p:cNvPr>
-          <p:cNvPicPr>
-            <a:picLocks noGrp="1" noChangeAspect="1"/>
-          </p:cNvPicPr>
+          <p:cNvSpPr>
+            <a:spLocks noGrp="1"/>
+          </p:cNvSpPr>
           <p:nvPr>
             <p:ph idx="1"/>
           </p:nvPr>
-        </p:nvPicPr>
-        <p:blipFill>
-          <a:blip r:embed="rId3"/>
-          <a:stretch>
-            <a:fillRect/>
-          </a:stretch>
-        </p:blipFill>
-        <p:spPr>
-          <a:xfrm>
-            <a:off x="2507664" y="1268413"/>
-            <a:ext cx="7176673" cy="4645025"/>
-          </a:xfrm>
-          <a:prstGeom prst="rect">
-            <a:avLst/>
-          </a:prstGeom>
-        </p:spPr>
-      </p:pic>
+        </p:nvSpPr>
+        <p:spPr/>
+        <p:txBody>
+          <a:bodyPr/>
+          <a:lstStyle/>
+          <a:p>
+            <a:r>
+              <a:rPr lang="en-US" dirty="0" err="1"/>
+              <a:t>Width:Width</a:t>
+            </a:r>
+            <a:r>
+              <a:rPr lang="en-US" dirty="0"/>
+              <a:t> of the viewport in pixels (or device-width). If width isn't set, it defaults to a desktop size </a:t>
+            </a:r>
+          </a:p>
+          <a:p>
+            <a:r>
+              <a:rPr lang="en-US" dirty="0"/>
+              <a:t>Height</a:t>
+            </a:r>
+            <a:r>
+              <a:rPr lang="zh-CN" altLang="en-US" dirty="0"/>
+              <a:t>：</a:t>
+            </a:r>
+            <a:r>
+              <a:rPr lang="en-US" altLang="zh-CN" dirty="0"/>
+              <a:t>Height of the viewport in pixels</a:t>
+            </a:r>
+            <a:endParaRPr lang="en-US" dirty="0"/>
+          </a:p>
+          <a:p>
+            <a:r>
+              <a:rPr lang="en-US" dirty="0"/>
+              <a:t>initial-scale:(0 to 10.0) Sets the scale of the page after its initial display.</a:t>
+            </a:r>
+          </a:p>
+          <a:p>
+            <a:r>
+              <a:rPr lang="en-US" dirty="0"/>
+              <a:t>minimum-scale:(0 to 10.0) The minimum multiplier the user can "zoom out" to. </a:t>
+            </a:r>
+          </a:p>
+          <a:p>
+            <a:r>
+              <a:rPr lang="en-US" dirty="0"/>
+              <a:t>maximum-scale:(0 to 10.0) The maximum multiplier the user can "zoom in" to. </a:t>
+            </a:r>
+          </a:p>
+          <a:p>
+            <a:r>
+              <a:rPr lang="en-US" dirty="0"/>
+              <a:t>user-scalable:(yes/no) Whether to allow a user from scaling in/out (zooming in/out)</a:t>
+            </a:r>
+            <a:endParaRPr lang="en-GB" dirty="0"/>
+          </a:p>
+        </p:txBody>
+      </p:sp>
       <p:sp>
         <p:nvSpPr>
           <p:cNvPr id="4" name="Slide Number Placeholder 3">
             <a:extLst>
               <a:ext uri="{FF2B5EF4-FFF2-40B4-BE49-F238E27FC236}">
-                <a16:creationId xmlns:a16="http://schemas.microsoft.com/office/drawing/2014/main" id="{ECF367AB-CE42-4145-A86D-A9E10C89A0D4}"/>
+                <a16:creationId xmlns:a16="http://schemas.microsoft.com/office/drawing/2014/main" id="{20D21318-5F8A-432A-A712-6BE6F47BA923}"/>
               </a:ext>
             </a:extLst>
           </p:cNvPr>
@@ -11214,7 +11334,7 @@
     </p:spTree>
     <p:extLst>
       <p:ext uri="{BB962C8B-B14F-4D97-AF65-F5344CB8AC3E}">
-        <p14:creationId xmlns:p14="http://schemas.microsoft.com/office/powerpoint/2010/main" val="3285866322"/>
+        <p14:creationId xmlns:p14="http://schemas.microsoft.com/office/powerpoint/2010/main" val="3302055220"/>
       </p:ext>
     </p:extLst>
   </p:cSld>
@@ -11246,6 +11366,130 @@
           <p:cNvPr id="2" name="Title 1">
             <a:extLst>
               <a:ext uri="{FF2B5EF4-FFF2-40B4-BE49-F238E27FC236}">
+                <a16:creationId xmlns:a16="http://schemas.microsoft.com/office/drawing/2014/main" id="{16E8498A-1881-41D2-9162-48C5ADF89F6F}"/>
+              </a:ext>
+            </a:extLst>
+          </p:cNvPr>
+          <p:cNvSpPr>
+            <a:spLocks noGrp="1"/>
+          </p:cNvSpPr>
+          <p:nvPr>
+            <p:ph type="title"/>
+          </p:nvPr>
+        </p:nvSpPr>
+        <p:spPr/>
+        <p:txBody>
+          <a:bodyPr/>
+          <a:lstStyle/>
+          <a:p>
+            <a:r>
+              <a:rPr lang="en-GB" dirty="0"/>
+              <a:t>Layout viewport &amp; visual viewport &amp;</a:t>
+            </a:r>
+            <a:r>
+              <a:rPr lang="en-US" dirty="0"/>
+              <a:t>Ideal viewport</a:t>
+            </a:r>
+            <a:endParaRPr lang="en-GB" dirty="0"/>
+          </a:p>
+        </p:txBody>
+      </p:sp>
+      <p:pic>
+        <p:nvPicPr>
+          <p:cNvPr id="7" name="Content Placeholder 6">
+            <a:extLst>
+              <a:ext uri="{FF2B5EF4-FFF2-40B4-BE49-F238E27FC236}">
+                <a16:creationId xmlns:a16="http://schemas.microsoft.com/office/drawing/2014/main" id="{C5BA8251-553B-4806-971B-B69AD25018D1}"/>
+              </a:ext>
+            </a:extLst>
+          </p:cNvPr>
+          <p:cNvPicPr>
+            <a:picLocks noGrp="1" noChangeAspect="1"/>
+          </p:cNvPicPr>
+          <p:nvPr>
+            <p:ph idx="1"/>
+          </p:nvPr>
+        </p:nvPicPr>
+        <p:blipFill>
+          <a:blip r:embed="rId3"/>
+          <a:stretch>
+            <a:fillRect/>
+          </a:stretch>
+        </p:blipFill>
+        <p:spPr>
+          <a:xfrm>
+            <a:off x="2507664" y="1268413"/>
+            <a:ext cx="7176673" cy="4645025"/>
+          </a:xfrm>
+          <a:prstGeom prst="rect">
+            <a:avLst/>
+          </a:prstGeom>
+        </p:spPr>
+      </p:pic>
+      <p:sp>
+        <p:nvSpPr>
+          <p:cNvPr id="4" name="Slide Number Placeholder 3">
+            <a:extLst>
+              <a:ext uri="{FF2B5EF4-FFF2-40B4-BE49-F238E27FC236}">
+                <a16:creationId xmlns:a16="http://schemas.microsoft.com/office/drawing/2014/main" id="{ECF367AB-CE42-4145-A86D-A9E10C89A0D4}"/>
+              </a:ext>
+            </a:extLst>
+          </p:cNvPr>
+          <p:cNvSpPr>
+            <a:spLocks noGrp="1"/>
+          </p:cNvSpPr>
+          <p:nvPr>
+            <p:ph type="sldNum" sz="quarter" idx="12"/>
+          </p:nvPr>
+        </p:nvSpPr>
+        <p:spPr/>
+        <p:txBody>
+          <a:bodyPr/>
+          <a:lstStyle/>
+          <a:p>
+            <a:fld id="{5BA07366-CB75-4AA8-9E5B-928B849F427C}" type="slidenum">
+              <a:rPr lang="en-GB" smtClean="0"/>
+              <a:t>11</a:t>
+            </a:fld>
+            <a:endParaRPr lang="en-GB" dirty="0"/>
+          </a:p>
+        </p:txBody>
+      </p:sp>
+    </p:spTree>
+    <p:extLst>
+      <p:ext uri="{BB962C8B-B14F-4D97-AF65-F5344CB8AC3E}">
+        <p14:creationId xmlns:p14="http://schemas.microsoft.com/office/powerpoint/2010/main" val="3285866322"/>
+      </p:ext>
+    </p:extLst>
+  </p:cSld>
+  <p:clrMapOvr>
+    <a:masterClrMapping/>
+  </p:clrMapOvr>
+</p:sld>
+</file>
+
+<file path=ppt/slides/slide12.xml><?xml version="1.0" encoding="utf-8"?>
+<p:sld xmlns:a="http://schemas.openxmlformats.org/drawingml/2006/main" xmlns:r="http://schemas.openxmlformats.org/officeDocument/2006/relationships" xmlns:p="http://schemas.openxmlformats.org/presentationml/2006/main">
+  <p:cSld>
+    <p:spTree>
+      <p:nvGrpSpPr>
+        <p:cNvPr id="1" name=""/>
+        <p:cNvGrpSpPr/>
+        <p:nvPr/>
+      </p:nvGrpSpPr>
+      <p:grpSpPr>
+        <a:xfrm>
+          <a:off x="0" y="0"/>
+          <a:ext cx="0" cy="0"/>
+          <a:chOff x="0" y="0"/>
+          <a:chExt cx="0" cy="0"/>
+        </a:xfrm>
+      </p:grpSpPr>
+      <p:sp>
+        <p:nvSpPr>
+          <p:cNvPr id="2" name="Title 1">
+            <a:extLst>
+              <a:ext uri="{FF2B5EF4-FFF2-40B4-BE49-F238E27FC236}">
                 <a16:creationId xmlns:a16="http://schemas.microsoft.com/office/drawing/2014/main" id="{17D1DAB8-7064-4A88-8A7C-530972F48432}"/>
               </a:ext>
             </a:extLst>
@@ -11289,7 +11533,7 @@
           <a:p>
             <a:fld id="{5BA07366-CB75-4AA8-9E5B-928B849F427C}" type="slidenum">
               <a:rPr lang="en-GB" smtClean="0"/>
-              <a:t>11</a:t>
+              <a:t>12</a:t>
             </a:fld>
             <a:endParaRPr lang="en-GB" dirty="0"/>
           </a:p>
@@ -11370,7 +11614,7 @@
 </p:sld>
 </file>
 
-<file path=ppt/slides/slide12.xml><?xml version="1.0" encoding="utf-8"?>
+<file path=ppt/slides/slide13.xml><?xml version="1.0" encoding="utf-8"?>
 <p:sld xmlns:a="http://schemas.openxmlformats.org/drawingml/2006/main" xmlns:r="http://schemas.openxmlformats.org/officeDocument/2006/relationships" xmlns:p="http://schemas.openxmlformats.org/presentationml/2006/main">
   <p:cSld>
     <p:spTree>
@@ -11435,7 +11679,7 @@
           <a:p>
             <a:fld id="{5BA07366-CB75-4AA8-9E5B-928B849F427C}" type="slidenum">
               <a:rPr lang="en-GB" smtClean="0"/>
-              <a:t>12</a:t>
+              <a:t>13</a:t>
             </a:fld>
             <a:endParaRPr lang="en-GB" dirty="0"/>
           </a:p>
@@ -11486,7 +11730,7 @@
 </p:sld>
 </file>
 
-<file path=ppt/slides/slide13.xml><?xml version="1.0" encoding="utf-8"?>
+<file path=ppt/slides/slide14.xml><?xml version="1.0" encoding="utf-8"?>
 <p:sld xmlns:a="http://schemas.openxmlformats.org/drawingml/2006/main" xmlns:r="http://schemas.openxmlformats.org/officeDocument/2006/relationships" xmlns:p="http://schemas.openxmlformats.org/presentationml/2006/main">
   <p:cSld>
     <p:spTree>
@@ -11620,7 +11864,7 @@
           <a:p>
             <a:fld id="{5BA07366-CB75-4AA8-9E5B-928B849F427C}" type="slidenum">
               <a:rPr lang="en-GB" smtClean="0"/>
-              <a:t>13</a:t>
+              <a:t>14</a:t>
             </a:fld>
             <a:endParaRPr lang="en-GB" dirty="0"/>
           </a:p>
@@ -11669,7 +11913,7 @@
 </p:sld>
 </file>
 
-<file path=ppt/slides/slide14.xml><?xml version="1.0" encoding="utf-8"?>
+<file path=ppt/slides/slide15.xml><?xml version="1.0" encoding="utf-8"?>
 <p:sld xmlns:a="http://schemas.openxmlformats.org/drawingml/2006/main" xmlns:r="http://schemas.openxmlformats.org/officeDocument/2006/relationships" xmlns:p="http://schemas.openxmlformats.org/presentationml/2006/main">
   <p:cSld>
     <p:spTree>
@@ -11734,7 +11978,7 @@
           <a:p>
             <a:fld id="{5BA07366-CB75-4AA8-9E5B-928B849F427C}" type="slidenum">
               <a:rPr lang="en-GB" smtClean="0"/>
-              <a:t>14</a:t>
+              <a:t>15</a:t>
             </a:fld>
             <a:endParaRPr lang="en-GB" dirty="0"/>
           </a:p>
@@ -11815,7 +12059,7 @@
 </p:sld>
 </file>
 
-<file path=ppt/slides/slide15.xml><?xml version="1.0" encoding="utf-8"?>
+<file path=ppt/slides/slide16.xml><?xml version="1.0" encoding="utf-8"?>
 <p:sld xmlns:a="http://schemas.openxmlformats.org/drawingml/2006/main" xmlns:r="http://schemas.openxmlformats.org/officeDocument/2006/relationships" xmlns:p="http://schemas.openxmlformats.org/presentationml/2006/main">
   <p:cSld>
     <p:spTree>
@@ -11884,7 +12128,7 @@
           <a:p>
             <a:fld id="{5BA07366-CB75-4AA8-9E5B-928B849F427C}" type="slidenum">
               <a:rPr lang="en-GB" smtClean="0"/>
-              <a:t>15</a:t>
+              <a:t>16</a:t>
             </a:fld>
             <a:endParaRPr lang="en-GB" dirty="0"/>
           </a:p>
@@ -12047,143 +12291,6 @@
 </p:sld>
 </file>
 
-<file path=ppt/slides/slide16.xml><?xml version="1.0" encoding="utf-8"?>
-<p:sld xmlns:a="http://schemas.openxmlformats.org/drawingml/2006/main" xmlns:r="http://schemas.openxmlformats.org/officeDocument/2006/relationships" xmlns:p="http://schemas.openxmlformats.org/presentationml/2006/main">
-  <p:cSld>
-    <p:spTree>
-      <p:nvGrpSpPr>
-        <p:cNvPr id="1" name=""/>
-        <p:cNvGrpSpPr/>
-        <p:nvPr/>
-      </p:nvGrpSpPr>
-      <p:grpSpPr>
-        <a:xfrm>
-          <a:off x="0" y="0"/>
-          <a:ext cx="0" cy="0"/>
-          <a:chOff x="0" y="0"/>
-          <a:chExt cx="0" cy="0"/>
-        </a:xfrm>
-      </p:grpSpPr>
-      <p:sp>
-        <p:nvSpPr>
-          <p:cNvPr id="2" name="Title 1">
-            <a:extLst>
-              <a:ext uri="{FF2B5EF4-FFF2-40B4-BE49-F238E27FC236}">
-                <a16:creationId xmlns:a16="http://schemas.microsoft.com/office/drawing/2014/main" id="{0BF8B530-1782-40A6-8FD5-ACE7FC1F2471}"/>
-              </a:ext>
-            </a:extLst>
-          </p:cNvPr>
-          <p:cNvSpPr>
-            <a:spLocks noGrp="1"/>
-          </p:cNvSpPr>
-          <p:nvPr>
-            <p:ph type="title"/>
-          </p:nvPr>
-        </p:nvSpPr>
-        <p:spPr/>
-        <p:txBody>
-          <a:bodyPr/>
-          <a:lstStyle/>
-          <a:p>
-            <a:r>
-              <a:rPr lang="en-GB" dirty="0"/>
-              <a:t>D</a:t>
-            </a:r>
-            <a:r>
-              <a:rPr lang="en-US" altLang="zh-CN" dirty="0"/>
-              <a:t>emo</a:t>
-            </a:r>
-            <a:endParaRPr lang="en-GB" dirty="0"/>
-          </a:p>
-        </p:txBody>
-      </p:sp>
-      <p:sp>
-        <p:nvSpPr>
-          <p:cNvPr id="3" name="Content Placeholder 2">
-            <a:extLst>
-              <a:ext uri="{FF2B5EF4-FFF2-40B4-BE49-F238E27FC236}">
-                <a16:creationId xmlns:a16="http://schemas.microsoft.com/office/drawing/2014/main" id="{6773738D-0892-4041-A142-6635F5F50EC9}"/>
-              </a:ext>
-            </a:extLst>
-          </p:cNvPr>
-          <p:cNvSpPr>
-            <a:spLocks noGrp="1"/>
-          </p:cNvSpPr>
-          <p:nvPr>
-            <p:ph idx="1"/>
-          </p:nvPr>
-        </p:nvSpPr>
-        <p:spPr>
-          <a:xfrm>
-            <a:off x="334433" y="1255129"/>
-            <a:ext cx="11522208" cy="4644347"/>
-          </a:xfrm>
-        </p:spPr>
-        <p:txBody>
-          <a:bodyPr/>
-          <a:lstStyle/>
-          <a:p>
-            <a:r>
-              <a:rPr lang="en-GB" dirty="0"/>
-              <a:t>“1px” problem</a:t>
-            </a:r>
-          </a:p>
-          <a:p>
-            <a:endParaRPr lang="en-GB" dirty="0"/>
-          </a:p>
-          <a:p>
-            <a:r>
-              <a:rPr lang="en-GB" dirty="0">
-                <a:hlinkClick r:id="rId3" action="ppaction://hlinkfile"/>
-              </a:rPr>
-              <a:t>Demo</a:t>
-            </a:r>
-            <a:endParaRPr lang="en-GB" dirty="0"/>
-          </a:p>
-        </p:txBody>
-      </p:sp>
-      <p:sp>
-        <p:nvSpPr>
-          <p:cNvPr id="4" name="Slide Number Placeholder 3">
-            <a:extLst>
-              <a:ext uri="{FF2B5EF4-FFF2-40B4-BE49-F238E27FC236}">
-                <a16:creationId xmlns:a16="http://schemas.microsoft.com/office/drawing/2014/main" id="{C153B35A-67C4-467A-B7EB-B8F99AF6E0BE}"/>
-              </a:ext>
-            </a:extLst>
-          </p:cNvPr>
-          <p:cNvSpPr>
-            <a:spLocks noGrp="1"/>
-          </p:cNvSpPr>
-          <p:nvPr>
-            <p:ph type="sldNum" sz="quarter" idx="12"/>
-          </p:nvPr>
-        </p:nvSpPr>
-        <p:spPr/>
-        <p:txBody>
-          <a:bodyPr/>
-          <a:lstStyle/>
-          <a:p>
-            <a:fld id="{5BA07366-CB75-4AA8-9E5B-928B849F427C}" type="slidenum">
-              <a:rPr lang="en-GB" smtClean="0"/>
-              <a:t>16</a:t>
-            </a:fld>
-            <a:endParaRPr lang="en-GB" dirty="0"/>
-          </a:p>
-        </p:txBody>
-      </p:sp>
-    </p:spTree>
-    <p:extLst>
-      <p:ext uri="{BB962C8B-B14F-4D97-AF65-F5344CB8AC3E}">
-        <p14:creationId xmlns:p14="http://schemas.microsoft.com/office/powerpoint/2010/main" val="581997819"/>
-      </p:ext>
-    </p:extLst>
-  </p:cSld>
-  <p:clrMapOvr>
-    <a:masterClrMapping/>
-  </p:clrMapOvr>
-</p:sld>
-</file>
-
 <file path=ppt/slides/slide17.xml><?xml version="1.0" encoding="utf-8"?>
 <p:sld xmlns:a="http://schemas.openxmlformats.org/drawingml/2006/main" xmlns:r="http://schemas.openxmlformats.org/officeDocument/2006/relationships" xmlns:p="http://schemas.openxmlformats.org/presentationml/2006/main">
   <p:cSld>
@@ -12206,7 +12313,7 @@
           <p:cNvPr id="2" name="Title 1">
             <a:extLst>
               <a:ext uri="{FF2B5EF4-FFF2-40B4-BE49-F238E27FC236}">
-                <a16:creationId xmlns:a16="http://schemas.microsoft.com/office/drawing/2014/main" id="{5480D2DA-73C6-401D-9191-ACE8EB9707D2}"/>
+                <a16:creationId xmlns:a16="http://schemas.microsoft.com/office/drawing/2014/main" id="{0BF8B530-1782-40A6-8FD5-ACE7FC1F2471}"/>
               </a:ext>
             </a:extLst>
           </p:cNvPr>
@@ -12224,8 +12331,13 @@
           <a:p>
             <a:r>
               <a:rPr lang="en-GB" dirty="0"/>
-              <a:t>Rem</a:t>
-            </a:r>
+              <a:t>D</a:t>
+            </a:r>
+            <a:r>
+              <a:rPr lang="en-US" altLang="zh-CN" dirty="0"/>
+              <a:t>emo</a:t>
+            </a:r>
+            <a:endParaRPr lang="en-GB" dirty="0"/>
           </a:p>
         </p:txBody>
       </p:sp>
@@ -12234,7 +12346,7 @@
           <p:cNvPr id="3" name="Content Placeholder 2">
             <a:extLst>
               <a:ext uri="{FF2B5EF4-FFF2-40B4-BE49-F238E27FC236}">
-                <a16:creationId xmlns:a16="http://schemas.microsoft.com/office/drawing/2014/main" id="{7DE7386E-0F6D-4455-8DEE-8568945DA4E0}"/>
+                <a16:creationId xmlns:a16="http://schemas.microsoft.com/office/drawing/2014/main" id="{6773738D-0892-4041-A142-6635F5F50EC9}"/>
               </a:ext>
             </a:extLst>
           </p:cNvPr>
@@ -12245,25 +12357,31 @@
             <p:ph idx="1"/>
           </p:nvPr>
         </p:nvSpPr>
-        <p:spPr/>
+        <p:spPr>
+          <a:xfrm>
+            <a:off x="334433" y="1255129"/>
+            <a:ext cx="11522208" cy="4644347"/>
+          </a:xfrm>
+        </p:spPr>
         <p:txBody>
           <a:bodyPr/>
           <a:lstStyle/>
           <a:p>
             <a:r>
               <a:rPr lang="en-GB" dirty="0"/>
-              <a:t>CSS3 introduces a few new units, including the rem unit, which stands for "root </a:t>
-            </a:r>
-            <a:r>
-              <a:rPr lang="en-GB" dirty="0" err="1"/>
-              <a:t>em</a:t>
-            </a:r>
-            <a:r>
-              <a:rPr lang="en-GB" dirty="0"/>
-              <a:t>“, this almost always means the font size of the &lt;html&gt; element</a:t>
-            </a:r>
-          </a:p>
-          <a:p>
+              <a:t>“1px” problem</a:t>
+            </a:r>
+          </a:p>
+          <a:p>
+            <a:endParaRPr lang="en-GB" dirty="0"/>
+          </a:p>
+          <a:p>
+            <a:r>
+              <a:rPr lang="en-GB" dirty="0">
+                <a:hlinkClick r:id="rId3" action="ppaction://hlinkfile"/>
+              </a:rPr>
+              <a:t>Demo</a:t>
+            </a:r>
             <a:endParaRPr lang="en-GB" dirty="0"/>
           </a:p>
         </p:txBody>
@@ -12273,7 +12391,7 @@
           <p:cNvPr id="4" name="Slide Number Placeholder 3">
             <a:extLst>
               <a:ext uri="{FF2B5EF4-FFF2-40B4-BE49-F238E27FC236}">
-                <a16:creationId xmlns:a16="http://schemas.microsoft.com/office/drawing/2014/main" id="{CEEFA23F-3CBC-4190-BEBF-0201E596DDC7}"/>
+                <a16:creationId xmlns:a16="http://schemas.microsoft.com/office/drawing/2014/main" id="{C153B35A-67C4-467A-B7EB-B8F99AF6E0BE}"/>
               </a:ext>
             </a:extLst>
           </p:cNvPr>
@@ -12300,7 +12418,7 @@
     </p:spTree>
     <p:extLst>
       <p:ext uri="{BB962C8B-B14F-4D97-AF65-F5344CB8AC3E}">
-        <p14:creationId xmlns:p14="http://schemas.microsoft.com/office/powerpoint/2010/main" val="3202059699"/>
+        <p14:creationId xmlns:p14="http://schemas.microsoft.com/office/powerpoint/2010/main" val="581997819"/>
       </p:ext>
     </p:extLst>
   </p:cSld>
@@ -12332,6 +12450,132 @@
           <p:cNvPr id="2" name="Title 1">
             <a:extLst>
               <a:ext uri="{FF2B5EF4-FFF2-40B4-BE49-F238E27FC236}">
+                <a16:creationId xmlns:a16="http://schemas.microsoft.com/office/drawing/2014/main" id="{5480D2DA-73C6-401D-9191-ACE8EB9707D2}"/>
+              </a:ext>
+            </a:extLst>
+          </p:cNvPr>
+          <p:cNvSpPr>
+            <a:spLocks noGrp="1"/>
+          </p:cNvSpPr>
+          <p:nvPr>
+            <p:ph type="title"/>
+          </p:nvPr>
+        </p:nvSpPr>
+        <p:spPr/>
+        <p:txBody>
+          <a:bodyPr/>
+          <a:lstStyle/>
+          <a:p>
+            <a:r>
+              <a:rPr lang="en-GB" dirty="0"/>
+              <a:t>Rem</a:t>
+            </a:r>
+          </a:p>
+        </p:txBody>
+      </p:sp>
+      <p:sp>
+        <p:nvSpPr>
+          <p:cNvPr id="3" name="Content Placeholder 2">
+            <a:extLst>
+              <a:ext uri="{FF2B5EF4-FFF2-40B4-BE49-F238E27FC236}">
+                <a16:creationId xmlns:a16="http://schemas.microsoft.com/office/drawing/2014/main" id="{7DE7386E-0F6D-4455-8DEE-8568945DA4E0}"/>
+              </a:ext>
+            </a:extLst>
+          </p:cNvPr>
+          <p:cNvSpPr>
+            <a:spLocks noGrp="1"/>
+          </p:cNvSpPr>
+          <p:nvPr>
+            <p:ph idx="1"/>
+          </p:nvPr>
+        </p:nvSpPr>
+        <p:spPr/>
+        <p:txBody>
+          <a:bodyPr/>
+          <a:lstStyle/>
+          <a:p>
+            <a:r>
+              <a:rPr lang="en-GB" dirty="0"/>
+              <a:t>CSS3 introduces a few new units, including the rem unit, which stands for "root </a:t>
+            </a:r>
+            <a:r>
+              <a:rPr lang="en-GB" dirty="0" err="1"/>
+              <a:t>em</a:t>
+            </a:r>
+            <a:r>
+              <a:rPr lang="en-GB" dirty="0"/>
+              <a:t>“, this almost always means the font size of the &lt;html&gt; element</a:t>
+            </a:r>
+          </a:p>
+          <a:p>
+            <a:endParaRPr lang="en-GB" dirty="0"/>
+          </a:p>
+        </p:txBody>
+      </p:sp>
+      <p:sp>
+        <p:nvSpPr>
+          <p:cNvPr id="4" name="Slide Number Placeholder 3">
+            <a:extLst>
+              <a:ext uri="{FF2B5EF4-FFF2-40B4-BE49-F238E27FC236}">
+                <a16:creationId xmlns:a16="http://schemas.microsoft.com/office/drawing/2014/main" id="{CEEFA23F-3CBC-4190-BEBF-0201E596DDC7}"/>
+              </a:ext>
+            </a:extLst>
+          </p:cNvPr>
+          <p:cNvSpPr>
+            <a:spLocks noGrp="1"/>
+          </p:cNvSpPr>
+          <p:nvPr>
+            <p:ph type="sldNum" sz="quarter" idx="12"/>
+          </p:nvPr>
+        </p:nvSpPr>
+        <p:spPr/>
+        <p:txBody>
+          <a:bodyPr/>
+          <a:lstStyle/>
+          <a:p>
+            <a:fld id="{5BA07366-CB75-4AA8-9E5B-928B849F427C}" type="slidenum">
+              <a:rPr lang="en-GB" smtClean="0"/>
+              <a:t>18</a:t>
+            </a:fld>
+            <a:endParaRPr lang="en-GB" dirty="0"/>
+          </a:p>
+        </p:txBody>
+      </p:sp>
+    </p:spTree>
+    <p:extLst>
+      <p:ext uri="{BB962C8B-B14F-4D97-AF65-F5344CB8AC3E}">
+        <p14:creationId xmlns:p14="http://schemas.microsoft.com/office/powerpoint/2010/main" val="3202059699"/>
+      </p:ext>
+    </p:extLst>
+  </p:cSld>
+  <p:clrMapOvr>
+    <a:masterClrMapping/>
+  </p:clrMapOvr>
+</p:sld>
+</file>
+
+<file path=ppt/slides/slide19.xml><?xml version="1.0" encoding="utf-8"?>
+<p:sld xmlns:a="http://schemas.openxmlformats.org/drawingml/2006/main" xmlns:r="http://schemas.openxmlformats.org/officeDocument/2006/relationships" xmlns:p="http://schemas.openxmlformats.org/presentationml/2006/main">
+  <p:cSld>
+    <p:spTree>
+      <p:nvGrpSpPr>
+        <p:cNvPr id="1" name=""/>
+        <p:cNvGrpSpPr/>
+        <p:nvPr/>
+      </p:nvGrpSpPr>
+      <p:grpSpPr>
+        <a:xfrm>
+          <a:off x="0" y="0"/>
+          <a:ext cx="0" cy="0"/>
+          <a:chOff x="0" y="0"/>
+          <a:chExt cx="0" cy="0"/>
+        </a:xfrm>
+      </p:grpSpPr>
+      <p:sp>
+        <p:nvSpPr>
+          <p:cNvPr id="2" name="Title 1">
+            <a:extLst>
+              <a:ext uri="{FF2B5EF4-FFF2-40B4-BE49-F238E27FC236}">
                 <a16:creationId xmlns:a16="http://schemas.microsoft.com/office/drawing/2014/main" id="{85B83C53-5A3D-4ABD-ACB0-D383AB131E06}"/>
               </a:ext>
             </a:extLst>
@@ -12375,7 +12619,7 @@
           <a:p>
             <a:fld id="{5BA07366-CB75-4AA8-9E5B-928B849F427C}" type="slidenum">
               <a:rPr lang="en-GB" smtClean="0"/>
-              <a:t>18</a:t>
+              <a:t>19</a:t>
             </a:fld>
             <a:endParaRPr lang="en-GB" dirty="0"/>
           </a:p>
@@ -12426,238 +12670,6 @@
 </p:sld>
 </file>
 
-<file path=ppt/slides/slide19.xml><?xml version="1.0" encoding="utf-8"?>
-<p:sld xmlns:a="http://schemas.openxmlformats.org/drawingml/2006/main" xmlns:r="http://schemas.openxmlformats.org/officeDocument/2006/relationships" xmlns:p="http://schemas.openxmlformats.org/presentationml/2006/main">
-  <p:cSld>
-    <p:spTree>
-      <p:nvGrpSpPr>
-        <p:cNvPr id="1" name=""/>
-        <p:cNvGrpSpPr/>
-        <p:nvPr/>
-      </p:nvGrpSpPr>
-      <p:grpSpPr>
-        <a:xfrm>
-          <a:off x="0" y="0"/>
-          <a:ext cx="0" cy="0"/>
-          <a:chOff x="0" y="0"/>
-          <a:chExt cx="0" cy="0"/>
-        </a:xfrm>
-      </p:grpSpPr>
-      <p:sp>
-        <p:nvSpPr>
-          <p:cNvPr id="2" name="Title 1">
-            <a:extLst>
-              <a:ext uri="{FF2B5EF4-FFF2-40B4-BE49-F238E27FC236}">
-                <a16:creationId xmlns:a16="http://schemas.microsoft.com/office/drawing/2014/main" id="{6C18C1ED-3539-4128-8FCB-14123883C8EE}"/>
-              </a:ext>
-            </a:extLst>
-          </p:cNvPr>
-          <p:cNvSpPr>
-            <a:spLocks noGrp="1"/>
-          </p:cNvSpPr>
-          <p:nvPr>
-            <p:ph type="title"/>
-          </p:nvPr>
-        </p:nvSpPr>
-        <p:spPr/>
-        <p:txBody>
-          <a:bodyPr/>
-          <a:lstStyle/>
-          <a:p>
-            <a:r>
-              <a:rPr lang="en-GB" dirty="0"/>
-              <a:t>References</a:t>
-            </a:r>
-          </a:p>
-        </p:txBody>
-      </p:sp>
-      <p:sp>
-        <p:nvSpPr>
-          <p:cNvPr id="3" name="Content Placeholder 2">
-            <a:extLst>
-              <a:ext uri="{FF2B5EF4-FFF2-40B4-BE49-F238E27FC236}">
-                <a16:creationId xmlns:a16="http://schemas.microsoft.com/office/drawing/2014/main" id="{2803F120-E660-45FA-A608-B7F9BC101FF7}"/>
-              </a:ext>
-            </a:extLst>
-          </p:cNvPr>
-          <p:cNvSpPr>
-            <a:spLocks noGrp="1"/>
-          </p:cNvSpPr>
-          <p:nvPr>
-            <p:ph idx="1"/>
-          </p:nvPr>
-        </p:nvSpPr>
-        <p:spPr/>
-        <p:txBody>
-          <a:bodyPr/>
-          <a:lstStyle/>
-          <a:p>
-            <a:r>
-              <a:rPr lang="en-GB" dirty="0"/>
-              <a:t>1. </a:t>
-            </a:r>
-            <a:r>
-              <a:rPr lang="en-GB" dirty="0">
-                <a:hlinkClick r:id="rId3"/>
-              </a:rPr>
-              <a:t>https://www.w3schools.com/cssref/css3_pr_mediaquery.asp</a:t>
-            </a:r>
-            <a:endParaRPr lang="en-GB" dirty="0"/>
-          </a:p>
-          <a:p>
-            <a:r>
-              <a:rPr lang="en-GB" dirty="0"/>
-              <a:t>2. </a:t>
-            </a:r>
-            <a:r>
-              <a:rPr lang="en-GB" dirty="0">
-                <a:hlinkClick r:id="rId4"/>
-              </a:rPr>
-              <a:t>https://developer.mozilla.org/en-US/docs/Web/CSS/Media_Queries/Using_media_queries</a:t>
-            </a:r>
-            <a:endParaRPr lang="en-GB" dirty="0"/>
-          </a:p>
-          <a:p>
-            <a:r>
-              <a:rPr lang="en-GB" dirty="0"/>
-              <a:t>3. </a:t>
-            </a:r>
-            <a:r>
-              <a:rPr lang="en-GB" dirty="0">
-                <a:hlinkClick r:id="rId5"/>
-              </a:rPr>
-              <a:t>https://snook.ca/archives/html_and_css/font-size-with-rem</a:t>
-            </a:r>
-            <a:endParaRPr lang="en-GB" dirty="0"/>
-          </a:p>
-          <a:p>
-            <a:r>
-              <a:rPr lang="en-GB" dirty="0"/>
-              <a:t>4. </a:t>
-            </a:r>
-            <a:r>
-              <a:rPr lang="en-GB" dirty="0">
-                <a:hlinkClick r:id="rId6"/>
-              </a:rPr>
-              <a:t>https://en.wikipedia.org/wiki/Viewport</a:t>
-            </a:r>
-            <a:r>
-              <a:rPr lang="en-GB" dirty="0"/>
-              <a:t> </a:t>
-            </a:r>
-          </a:p>
-          <a:p>
-            <a:r>
-              <a:rPr lang="en-GB" dirty="0"/>
-              <a:t>5. </a:t>
-            </a:r>
-            <a:r>
-              <a:rPr lang="en-GB" dirty="0">
-                <a:hlinkClick r:id="rId7"/>
-              </a:rPr>
-              <a:t>https://stackoverflow.com/questions/2939693/what-is-viewport-in-html</a:t>
-            </a:r>
-            <a:endParaRPr lang="en-GB" dirty="0"/>
-          </a:p>
-          <a:p>
-            <a:r>
-              <a:rPr lang="en-GB" dirty="0"/>
-              <a:t>6. </a:t>
-            </a:r>
-            <a:r>
-              <a:rPr lang="en-GB" dirty="0">
-                <a:hlinkClick r:id="rId8"/>
-              </a:rPr>
-              <a:t>https://stackoverflow.com/questions/8785643/what-exactly-is-device-pixel-ratio</a:t>
-            </a:r>
-            <a:endParaRPr lang="en-GB" dirty="0"/>
-          </a:p>
-          <a:p>
-            <a:r>
-              <a:rPr lang="en-GB" dirty="0"/>
-              <a:t>7. </a:t>
-            </a:r>
-            <a:r>
-              <a:rPr lang="en-GB" dirty="0">
-                <a:hlinkClick r:id="rId9"/>
-              </a:rPr>
-              <a:t>https://css-tricks.com/theres-more-to-the-css-rem-unit-than-font-sizing/</a:t>
-            </a:r>
-            <a:endParaRPr lang="en-GB" dirty="0"/>
-          </a:p>
-          <a:p>
-            <a:r>
-              <a:rPr lang="en-GB" dirty="0"/>
-              <a:t>8. </a:t>
-            </a:r>
-            <a:r>
-              <a:rPr lang="en-GB" dirty="0">
-                <a:hlinkClick r:id="rId10"/>
-              </a:rPr>
-              <a:t>https://quirksmode.org/mobile/viewports.html</a:t>
-            </a:r>
-            <a:endParaRPr lang="en-GB" dirty="0"/>
-          </a:p>
-          <a:p>
-            <a:r>
-              <a:rPr lang="en-GB" dirty="0"/>
-              <a:t>9. </a:t>
-            </a:r>
-            <a:r>
-              <a:rPr lang="en-GB" dirty="0">
-                <a:hlinkClick r:id="rId11"/>
-              </a:rPr>
-              <a:t>https://www.cnblogs.com/2050/p/3877280.html</a:t>
-            </a:r>
-            <a:endParaRPr lang="en-GB" dirty="0"/>
-          </a:p>
-          <a:p>
-            <a:endParaRPr lang="en-GB" dirty="0"/>
-          </a:p>
-        </p:txBody>
-      </p:sp>
-      <p:sp>
-        <p:nvSpPr>
-          <p:cNvPr id="4" name="Slide Number Placeholder 3">
-            <a:extLst>
-              <a:ext uri="{FF2B5EF4-FFF2-40B4-BE49-F238E27FC236}">
-                <a16:creationId xmlns:a16="http://schemas.microsoft.com/office/drawing/2014/main" id="{558132EE-9255-4424-A61C-E945B2C04786}"/>
-              </a:ext>
-            </a:extLst>
-          </p:cNvPr>
-          <p:cNvSpPr>
-            <a:spLocks noGrp="1"/>
-          </p:cNvSpPr>
-          <p:nvPr>
-            <p:ph type="sldNum" sz="quarter" idx="12"/>
-          </p:nvPr>
-        </p:nvSpPr>
-        <p:spPr/>
-        <p:txBody>
-          <a:bodyPr/>
-          <a:lstStyle/>
-          <a:p>
-            <a:fld id="{5BA07366-CB75-4AA8-9E5B-928B849F427C}" type="slidenum">
-              <a:rPr lang="en-GB" smtClean="0"/>
-              <a:t>19</a:t>
-            </a:fld>
-            <a:endParaRPr lang="en-GB" dirty="0"/>
-          </a:p>
-        </p:txBody>
-      </p:sp>
-    </p:spTree>
-    <p:extLst>
-      <p:ext uri="{BB962C8B-B14F-4D97-AF65-F5344CB8AC3E}">
-        <p14:creationId xmlns:p14="http://schemas.microsoft.com/office/powerpoint/2010/main" val="2347732600"/>
-      </p:ext>
-    </p:extLst>
-  </p:cSld>
-  <p:clrMapOvr>
-    <a:masterClrMapping/>
-  </p:clrMapOvr>
-</p:sld>
-</file>
-
 <file path=ppt/slides/slide2.xml><?xml version="1.0" encoding="utf-8"?>
 <p:sld xmlns:a="http://schemas.openxmlformats.org/drawingml/2006/main" xmlns:r="http://schemas.openxmlformats.org/officeDocument/2006/relationships" xmlns:p="http://schemas.openxmlformats.org/presentationml/2006/main">
   <p:cSld>
@@ -12829,6 +12841,238 @@
       </p:grpSpPr>
       <p:sp>
         <p:nvSpPr>
+          <p:cNvPr id="2" name="Title 1">
+            <a:extLst>
+              <a:ext uri="{FF2B5EF4-FFF2-40B4-BE49-F238E27FC236}">
+                <a16:creationId xmlns:a16="http://schemas.microsoft.com/office/drawing/2014/main" id="{6C18C1ED-3539-4128-8FCB-14123883C8EE}"/>
+              </a:ext>
+            </a:extLst>
+          </p:cNvPr>
+          <p:cNvSpPr>
+            <a:spLocks noGrp="1"/>
+          </p:cNvSpPr>
+          <p:nvPr>
+            <p:ph type="title"/>
+          </p:nvPr>
+        </p:nvSpPr>
+        <p:spPr/>
+        <p:txBody>
+          <a:bodyPr/>
+          <a:lstStyle/>
+          <a:p>
+            <a:r>
+              <a:rPr lang="en-GB" dirty="0"/>
+              <a:t>References</a:t>
+            </a:r>
+          </a:p>
+        </p:txBody>
+      </p:sp>
+      <p:sp>
+        <p:nvSpPr>
+          <p:cNvPr id="3" name="Content Placeholder 2">
+            <a:extLst>
+              <a:ext uri="{FF2B5EF4-FFF2-40B4-BE49-F238E27FC236}">
+                <a16:creationId xmlns:a16="http://schemas.microsoft.com/office/drawing/2014/main" id="{2803F120-E660-45FA-A608-B7F9BC101FF7}"/>
+              </a:ext>
+            </a:extLst>
+          </p:cNvPr>
+          <p:cNvSpPr>
+            <a:spLocks noGrp="1"/>
+          </p:cNvSpPr>
+          <p:nvPr>
+            <p:ph idx="1"/>
+          </p:nvPr>
+        </p:nvSpPr>
+        <p:spPr/>
+        <p:txBody>
+          <a:bodyPr/>
+          <a:lstStyle/>
+          <a:p>
+            <a:r>
+              <a:rPr lang="en-GB" dirty="0"/>
+              <a:t>1. </a:t>
+            </a:r>
+            <a:r>
+              <a:rPr lang="en-GB" dirty="0">
+                <a:hlinkClick r:id="rId3"/>
+              </a:rPr>
+              <a:t>https://www.w3schools.com/cssref/css3_pr_mediaquery.asp</a:t>
+            </a:r>
+            <a:endParaRPr lang="en-GB" dirty="0"/>
+          </a:p>
+          <a:p>
+            <a:r>
+              <a:rPr lang="en-GB" dirty="0"/>
+              <a:t>2. </a:t>
+            </a:r>
+            <a:r>
+              <a:rPr lang="en-GB" dirty="0">
+                <a:hlinkClick r:id="rId4"/>
+              </a:rPr>
+              <a:t>https://developer.mozilla.org/en-US/docs/Web/CSS/Media_Queries/Using_media_queries</a:t>
+            </a:r>
+            <a:endParaRPr lang="en-GB" dirty="0"/>
+          </a:p>
+          <a:p>
+            <a:r>
+              <a:rPr lang="en-GB" dirty="0"/>
+              <a:t>3. </a:t>
+            </a:r>
+            <a:r>
+              <a:rPr lang="en-GB" dirty="0">
+                <a:hlinkClick r:id="rId5"/>
+              </a:rPr>
+              <a:t>https://snook.ca/archives/html_and_css/font-size-with-rem</a:t>
+            </a:r>
+            <a:endParaRPr lang="en-GB" dirty="0"/>
+          </a:p>
+          <a:p>
+            <a:r>
+              <a:rPr lang="en-GB" dirty="0"/>
+              <a:t>4. </a:t>
+            </a:r>
+            <a:r>
+              <a:rPr lang="en-GB" dirty="0">
+                <a:hlinkClick r:id="rId6"/>
+              </a:rPr>
+              <a:t>https://en.wikipedia.org/wiki/Viewport</a:t>
+            </a:r>
+            <a:r>
+              <a:rPr lang="en-GB" dirty="0"/>
+              <a:t> </a:t>
+            </a:r>
+          </a:p>
+          <a:p>
+            <a:r>
+              <a:rPr lang="en-GB" dirty="0"/>
+              <a:t>5. </a:t>
+            </a:r>
+            <a:r>
+              <a:rPr lang="en-GB" dirty="0">
+                <a:hlinkClick r:id="rId7"/>
+              </a:rPr>
+              <a:t>https://stackoverflow.com/questions/2939693/what-is-viewport-in-html</a:t>
+            </a:r>
+            <a:endParaRPr lang="en-GB" dirty="0"/>
+          </a:p>
+          <a:p>
+            <a:r>
+              <a:rPr lang="en-GB" dirty="0"/>
+              <a:t>6. </a:t>
+            </a:r>
+            <a:r>
+              <a:rPr lang="en-GB" dirty="0">
+                <a:hlinkClick r:id="rId8"/>
+              </a:rPr>
+              <a:t>https://stackoverflow.com/questions/8785643/what-exactly-is-device-pixel-ratio</a:t>
+            </a:r>
+            <a:endParaRPr lang="en-GB" dirty="0"/>
+          </a:p>
+          <a:p>
+            <a:r>
+              <a:rPr lang="en-GB" dirty="0"/>
+              <a:t>7. </a:t>
+            </a:r>
+            <a:r>
+              <a:rPr lang="en-GB" dirty="0">
+                <a:hlinkClick r:id="rId9"/>
+              </a:rPr>
+              <a:t>https://css-tricks.com/theres-more-to-the-css-rem-unit-than-font-sizing/</a:t>
+            </a:r>
+            <a:endParaRPr lang="en-GB" dirty="0"/>
+          </a:p>
+          <a:p>
+            <a:r>
+              <a:rPr lang="en-GB" dirty="0"/>
+              <a:t>8. </a:t>
+            </a:r>
+            <a:r>
+              <a:rPr lang="en-GB" dirty="0">
+                <a:hlinkClick r:id="rId10"/>
+              </a:rPr>
+              <a:t>https://quirksmode.org/mobile/viewports.html</a:t>
+            </a:r>
+            <a:endParaRPr lang="en-GB" dirty="0"/>
+          </a:p>
+          <a:p>
+            <a:r>
+              <a:rPr lang="en-GB" dirty="0"/>
+              <a:t>9. </a:t>
+            </a:r>
+            <a:r>
+              <a:rPr lang="en-GB" dirty="0">
+                <a:hlinkClick r:id="rId11"/>
+              </a:rPr>
+              <a:t>https://www.cnblogs.com/2050/p/3877280.html</a:t>
+            </a:r>
+            <a:endParaRPr lang="en-GB" dirty="0"/>
+          </a:p>
+          <a:p>
+            <a:endParaRPr lang="en-GB" dirty="0"/>
+          </a:p>
+        </p:txBody>
+      </p:sp>
+      <p:sp>
+        <p:nvSpPr>
+          <p:cNvPr id="4" name="Slide Number Placeholder 3">
+            <a:extLst>
+              <a:ext uri="{FF2B5EF4-FFF2-40B4-BE49-F238E27FC236}">
+                <a16:creationId xmlns:a16="http://schemas.microsoft.com/office/drawing/2014/main" id="{558132EE-9255-4424-A61C-E945B2C04786}"/>
+              </a:ext>
+            </a:extLst>
+          </p:cNvPr>
+          <p:cNvSpPr>
+            <a:spLocks noGrp="1"/>
+          </p:cNvSpPr>
+          <p:nvPr>
+            <p:ph type="sldNum" sz="quarter" idx="12"/>
+          </p:nvPr>
+        </p:nvSpPr>
+        <p:spPr/>
+        <p:txBody>
+          <a:bodyPr/>
+          <a:lstStyle/>
+          <a:p>
+            <a:fld id="{5BA07366-CB75-4AA8-9E5B-928B849F427C}" type="slidenum">
+              <a:rPr lang="en-GB" smtClean="0"/>
+              <a:t>20</a:t>
+            </a:fld>
+            <a:endParaRPr lang="en-GB" dirty="0"/>
+          </a:p>
+        </p:txBody>
+      </p:sp>
+    </p:spTree>
+    <p:extLst>
+      <p:ext uri="{BB962C8B-B14F-4D97-AF65-F5344CB8AC3E}">
+        <p14:creationId xmlns:p14="http://schemas.microsoft.com/office/powerpoint/2010/main" val="2347732600"/>
+      </p:ext>
+    </p:extLst>
+  </p:cSld>
+  <p:clrMapOvr>
+    <a:masterClrMapping/>
+  </p:clrMapOvr>
+</p:sld>
+</file>
+
+<file path=ppt/slides/slide21.xml><?xml version="1.0" encoding="utf-8"?>
+<p:sld xmlns:a="http://schemas.openxmlformats.org/drawingml/2006/main" xmlns:r="http://schemas.openxmlformats.org/officeDocument/2006/relationships" xmlns:p="http://schemas.openxmlformats.org/presentationml/2006/main">
+  <p:cSld>
+    <p:spTree>
+      <p:nvGrpSpPr>
+        <p:cNvPr id="1" name=""/>
+        <p:cNvGrpSpPr/>
+        <p:nvPr/>
+      </p:nvGrpSpPr>
+      <p:grpSpPr>
+        <a:xfrm>
+          <a:off x="0" y="0"/>
+          <a:ext cx="0" cy="0"/>
+          <a:chOff x="0" y="0"/>
+          <a:chExt cx="0" cy="0"/>
+        </a:xfrm>
+      </p:grpSpPr>
+      <p:sp>
+        <p:nvSpPr>
           <p:cNvPr id="24" name="Title 23"/>
           <p:cNvSpPr>
             <a:spLocks noGrp="1"/>
@@ -12871,7 +13115,7 @@
             <a:fld id="{5BA07366-CB75-4AA8-9E5B-928B849F427C}" type="slidenum">
               <a:rPr lang="en-GB" smtClean="0"/>
               <a:pPr/>
-              <a:t>20</a:t>
+              <a:t>21</a:t>
             </a:fld>
             <a:endParaRPr lang="en-GB" dirty="0"/>
           </a:p>
@@ -13031,29 +13275,23 @@
           <a:p>
             <a:r>
               <a:rPr lang="en-GB" dirty="0"/>
-              <a:t>2. Fluid grids</a:t>
+              <a:t>2. Using percentage</a:t>
             </a:r>
           </a:p>
           <a:p>
             <a:r>
               <a:rPr lang="en-GB" dirty="0"/>
-              <a:t>3. Using percentage</a:t>
+              <a:t>3. Write different styles and load according to the screen</a:t>
             </a:r>
           </a:p>
           <a:p>
             <a:r>
               <a:rPr lang="en-GB" dirty="0"/>
-              <a:t>4. Write different styles and load accordingly </a:t>
-            </a:r>
-          </a:p>
-          <a:p>
-            <a:r>
-              <a:rPr lang="en-GB" dirty="0"/>
-              <a:t>5. VW/VH , </a:t>
+              <a:t>4. VW/VH , </a:t>
             </a:r>
             <a:r>
               <a:rPr lang="en-GB" dirty="0" err="1"/>
-              <a:t>em</a:t>
+              <a:t>em,rem</a:t>
             </a:r>
             <a:r>
               <a:rPr lang="en-GB" dirty="0"/>
@@ -13063,7 +13301,7 @@
           <a:p>
             <a:r>
               <a:rPr lang="en-GB" dirty="0"/>
-              <a:t>6</a:t>
+              <a:t>5</a:t>
             </a:r>
             <a:r>
               <a:rPr lang="en-US" dirty="0"/>
@@ -13758,7 +13996,7 @@
           <p:cNvPr id="2" name="Title 1">
             <a:extLst>
               <a:ext uri="{FF2B5EF4-FFF2-40B4-BE49-F238E27FC236}">
-                <a16:creationId xmlns:a16="http://schemas.microsoft.com/office/drawing/2014/main" id="{C27C6495-8A66-4F16-B642-F60402B5E2A0}"/>
+                <a16:creationId xmlns:a16="http://schemas.microsoft.com/office/drawing/2014/main" id="{76B80D99-DA15-46E7-83C3-207EFF128F3E}"/>
               </a:ext>
             </a:extLst>
           </p:cNvPr>
@@ -13776,7 +14014,7 @@
           <a:p>
             <a:r>
               <a:rPr lang="en-GB" dirty="0"/>
-              <a:t>Some basic knowledge about responsive layout</a:t>
+              <a:t>VW VH</a:t>
             </a:r>
           </a:p>
         </p:txBody>
@@ -13786,7 +14024,7 @@
           <p:cNvPr id="3" name="Content Placeholder 2">
             <a:extLst>
               <a:ext uri="{FF2B5EF4-FFF2-40B4-BE49-F238E27FC236}">
-                <a16:creationId xmlns:a16="http://schemas.microsoft.com/office/drawing/2014/main" id="{C2AE48F9-5957-4DFC-B42F-DD236A9F92A7}"/>
+                <a16:creationId xmlns:a16="http://schemas.microsoft.com/office/drawing/2014/main" id="{3B25B9C8-D492-4015-9756-EE2089B9853A}"/>
               </a:ext>
             </a:extLst>
           </p:cNvPr>
@@ -13803,28 +14041,22 @@
           <a:lstStyle/>
           <a:p>
             <a:r>
+              <a:rPr lang="en-GB" dirty="0" err="1"/>
+              <a:t>Vw</a:t>
+            </a:r>
+            <a:r>
               <a:rPr lang="en-GB" dirty="0"/>
-              <a:t>1. Viewport</a:t>
-            </a:r>
-          </a:p>
-          <a:p>
+              <a:t>: Percentage of the width (1vw stands for 1% of the screen width)</a:t>
+            </a:r>
+          </a:p>
+          <a:p>
+            <a:r>
+              <a:rPr lang="en-GB" dirty="0" err="1"/>
+              <a:t>Vh</a:t>
+            </a:r>
             <a:r>
               <a:rPr lang="en-GB" dirty="0"/>
-              <a:t>2. </a:t>
-            </a:r>
-            <a:r>
-              <a:rPr lang="en-GB" dirty="0" err="1"/>
-              <a:t>Dpr</a:t>
-            </a:r>
-            <a:r>
-              <a:rPr lang="en-GB" dirty="0"/>
-              <a:t> (Device pixel ratio)</a:t>
-            </a:r>
-          </a:p>
-          <a:p>
-            <a:r>
-              <a:rPr lang="en-US" dirty="0"/>
-              <a:t>3. PPI(Pixels Per Inch)</a:t>
+              <a:t>: Percentage of the height </a:t>
             </a:r>
           </a:p>
           <a:p>
@@ -13837,7 +14069,7 @@
           <p:cNvPr id="4" name="Slide Number Placeholder 3">
             <a:extLst>
               <a:ext uri="{FF2B5EF4-FFF2-40B4-BE49-F238E27FC236}">
-                <a16:creationId xmlns:a16="http://schemas.microsoft.com/office/drawing/2014/main" id="{6B2EA8EF-885B-49C9-A667-B7A7B663CE1E}"/>
+                <a16:creationId xmlns:a16="http://schemas.microsoft.com/office/drawing/2014/main" id="{9819A28E-FA34-4349-8269-89ACCE80747B}"/>
               </a:ext>
             </a:extLst>
           </p:cNvPr>
@@ -13861,10 +14093,40 @@
           </a:p>
         </p:txBody>
       </p:sp>
+      <p:pic>
+        <p:nvPicPr>
+          <p:cNvPr id="5" name="Picture 4">
+            <a:extLst>
+              <a:ext uri="{FF2B5EF4-FFF2-40B4-BE49-F238E27FC236}">
+                <a16:creationId xmlns:a16="http://schemas.microsoft.com/office/drawing/2014/main" id="{881C2CC4-AA76-4BFD-B445-790AF91B68CF}"/>
+              </a:ext>
+            </a:extLst>
+          </p:cNvPr>
+          <p:cNvPicPr>
+            <a:picLocks noChangeAspect="1"/>
+          </p:cNvPicPr>
+          <p:nvPr/>
+        </p:nvPicPr>
+        <p:blipFill>
+          <a:blip r:embed="rId3"/>
+          <a:stretch>
+            <a:fillRect/>
+          </a:stretch>
+        </p:blipFill>
+        <p:spPr>
+          <a:xfrm>
+            <a:off x="1447800" y="1981200"/>
+            <a:ext cx="8191500" cy="3468175"/>
+          </a:xfrm>
+          <a:prstGeom prst="rect">
+            <a:avLst/>
+          </a:prstGeom>
+        </p:spPr>
+      </p:pic>
     </p:spTree>
     <p:extLst>
       <p:ext uri="{BB962C8B-B14F-4D97-AF65-F5344CB8AC3E}">
-        <p14:creationId xmlns:p14="http://schemas.microsoft.com/office/powerpoint/2010/main" val="2363172818"/>
+        <p14:creationId xmlns:p14="http://schemas.microsoft.com/office/powerpoint/2010/main" val="1432016532"/>
       </p:ext>
     </p:extLst>
   </p:cSld>
@@ -13896,7 +14158,7 @@
           <p:cNvPr id="2" name="Title 1">
             <a:extLst>
               <a:ext uri="{FF2B5EF4-FFF2-40B4-BE49-F238E27FC236}">
-                <a16:creationId xmlns:a16="http://schemas.microsoft.com/office/drawing/2014/main" id="{438ACC98-55A9-4AD6-A7A6-D9260C61AAC8}"/>
+                <a16:creationId xmlns:a16="http://schemas.microsoft.com/office/drawing/2014/main" id="{C27C6495-8A66-4F16-B642-F60402B5E2A0}"/>
               </a:ext>
             </a:extLst>
           </p:cNvPr>
@@ -13914,7 +14176,7 @@
           <a:p>
             <a:r>
               <a:rPr lang="en-GB" dirty="0"/>
-              <a:t>Viewport</a:t>
+              <a:t>Some basic knowledge about responsive layout</a:t>
             </a:r>
           </a:p>
         </p:txBody>
@@ -13924,7 +14186,7 @@
           <p:cNvPr id="3" name="Content Placeholder 2">
             <a:extLst>
               <a:ext uri="{FF2B5EF4-FFF2-40B4-BE49-F238E27FC236}">
-                <a16:creationId xmlns:a16="http://schemas.microsoft.com/office/drawing/2014/main" id="{77533564-A50E-4CF2-B4AA-BA31C62936EB}"/>
+                <a16:creationId xmlns:a16="http://schemas.microsoft.com/office/drawing/2014/main" id="{C2AE48F9-5957-4DFC-B42F-DD236A9F92A7}"/>
               </a:ext>
             </a:extLst>
           </p:cNvPr>
@@ -13942,47 +14204,30 @@
           <a:p>
             <a:r>
               <a:rPr lang="en-GB" dirty="0"/>
-              <a:t>The viewport is the part of the webpage that the user can currently see. The scrollbars move the viewport to show other parts of the page.</a:t>
-            </a:r>
-          </a:p>
-          <a:p>
+              <a:t>1. Viewport</a:t>
+            </a:r>
+          </a:p>
+          <a:p>
+            <a:r>
+              <a:rPr lang="en-GB" dirty="0"/>
+              <a:t>2. </a:t>
+            </a:r>
             <a:r>
               <a:rPr lang="en-GB" dirty="0" err="1"/>
-              <a:t>E.g</a:t>
+              <a:t>Dpr</a:t>
             </a:r>
             <a:r>
               <a:rPr lang="en-GB" dirty="0"/>
-              <a:t>:</a:t>
-            </a:r>
-          </a:p>
-          <a:p>
-            <a:pPr marL="0" indent="0">
-              <a:buNone/>
-            </a:pPr>
-            <a:r>
-              <a:rPr lang="en-GB" dirty="0"/>
-              <a:t>   &lt;meta name="viewport" content="width=device-width, initial-scale=1.0, maximum-scale=1.0, user-scalable=no" /&gt;</a:t>
-            </a:r>
-          </a:p>
-          <a:p>
-            <a:endParaRPr lang="en-GB" dirty="0"/>
-          </a:p>
-          <a:p>
-            <a:endParaRPr lang="en-GB" dirty="0"/>
-          </a:p>
-          <a:p>
-            <a:endParaRPr lang="en-GB" dirty="0"/>
-          </a:p>
-          <a:p>
-            <a:endParaRPr lang="en-GB" dirty="0"/>
-          </a:p>
-          <a:p>
-            <a:r>
-              <a:rPr lang="en-GB" dirty="0">
-                <a:hlinkClick r:id="rId3" action="ppaction://hlinkfile"/>
-              </a:rPr>
-              <a:t>Demo</a:t>
-            </a:r>
+              <a:t> (Device pixel ratio)</a:t>
+            </a:r>
+          </a:p>
+          <a:p>
+            <a:r>
+              <a:rPr lang="en-US" dirty="0"/>
+              <a:t>3. PPI(Pixels Per Inch)</a:t>
+            </a:r>
+          </a:p>
+          <a:p>
             <a:endParaRPr lang="en-GB" dirty="0"/>
           </a:p>
         </p:txBody>
@@ -13992,7 +14237,7 @@
           <p:cNvPr id="4" name="Slide Number Placeholder 3">
             <a:extLst>
               <a:ext uri="{FF2B5EF4-FFF2-40B4-BE49-F238E27FC236}">
-                <a16:creationId xmlns:a16="http://schemas.microsoft.com/office/drawing/2014/main" id="{730FC76D-4D7B-4463-A546-FE331CB212A4}"/>
+                <a16:creationId xmlns:a16="http://schemas.microsoft.com/office/drawing/2014/main" id="{6B2EA8EF-885B-49C9-A667-B7A7B663CE1E}"/>
               </a:ext>
             </a:extLst>
           </p:cNvPr>
@@ -14019,7 +14264,7 @@
     </p:spTree>
     <p:extLst>
       <p:ext uri="{BB962C8B-B14F-4D97-AF65-F5344CB8AC3E}">
-        <p14:creationId xmlns:p14="http://schemas.microsoft.com/office/powerpoint/2010/main" val="4066997229"/>
+        <p14:creationId xmlns:p14="http://schemas.microsoft.com/office/powerpoint/2010/main" val="2363172818"/>
       </p:ext>
     </p:extLst>
   </p:cSld>
@@ -14051,7 +14296,7 @@
           <p:cNvPr id="2" name="Title 1">
             <a:extLst>
               <a:ext uri="{FF2B5EF4-FFF2-40B4-BE49-F238E27FC236}">
-                <a16:creationId xmlns:a16="http://schemas.microsoft.com/office/drawing/2014/main" id="{32DF9A59-C84E-43E7-B48C-B0853DBDE0BC}"/>
+                <a16:creationId xmlns:a16="http://schemas.microsoft.com/office/drawing/2014/main" id="{438ACC98-55A9-4AD6-A7A6-D9260C61AAC8}"/>
               </a:ext>
             </a:extLst>
           </p:cNvPr>
@@ -14069,7 +14314,7 @@
           <a:p>
             <a:r>
               <a:rPr lang="en-GB" dirty="0"/>
-              <a:t>Attributes</a:t>
+              <a:t>Viewport</a:t>
             </a:r>
           </a:p>
         </p:txBody>
@@ -14079,7 +14324,7 @@
           <p:cNvPr id="3" name="Content Placeholder 2">
             <a:extLst>
               <a:ext uri="{FF2B5EF4-FFF2-40B4-BE49-F238E27FC236}">
-                <a16:creationId xmlns:a16="http://schemas.microsoft.com/office/drawing/2014/main" id="{E80A9AF1-F687-4AE6-8573-632C817AD738}"/>
+                <a16:creationId xmlns:a16="http://schemas.microsoft.com/office/drawing/2014/main" id="{77533564-A50E-4CF2-B4AA-BA31C62936EB}"/>
               </a:ext>
             </a:extLst>
           </p:cNvPr>
@@ -14096,51 +14341,47 @@
           <a:lstStyle/>
           <a:p>
             <a:r>
-              <a:rPr lang="en-US" dirty="0" err="1"/>
-              <a:t>Width:Width</a:t>
-            </a:r>
-            <a:r>
-              <a:rPr lang="en-US" dirty="0"/>
-              <a:t> of the viewport in pixels (or device-width). If width isn't set, it defaults to a desktop size </a:t>
-            </a:r>
-          </a:p>
-          <a:p>
-            <a:r>
-              <a:rPr lang="en-US" dirty="0"/>
-              <a:t>Height</a:t>
-            </a:r>
-            <a:r>
-              <a:rPr lang="zh-CN" altLang="en-US" dirty="0"/>
-              <a:t>：</a:t>
-            </a:r>
-            <a:r>
-              <a:rPr lang="en-US" altLang="zh-CN" dirty="0"/>
-              <a:t>Height of the viewport in pixels</a:t>
-            </a:r>
-            <a:endParaRPr lang="en-US" dirty="0"/>
-          </a:p>
-          <a:p>
-            <a:r>
-              <a:rPr lang="en-US" dirty="0"/>
-              <a:t>initial-scale:(0 to 10.0) Sets the scale of the page after its initial display.</a:t>
-            </a:r>
-          </a:p>
-          <a:p>
-            <a:r>
-              <a:rPr lang="en-US" dirty="0"/>
-              <a:t>minimum-scale:(0 to 10.0) The minimum multiplier the user can "zoom out" to. </a:t>
-            </a:r>
-          </a:p>
-          <a:p>
-            <a:r>
-              <a:rPr lang="en-US" dirty="0"/>
-              <a:t>maximum-scale:(0 to 10.0) The maximum multiplier the user can "zoom in" to. </a:t>
-            </a:r>
-          </a:p>
-          <a:p>
-            <a:r>
-              <a:rPr lang="en-US" dirty="0"/>
-              <a:t>user-scalable:(yes/no) Whether to allow a user from scaling in/out (zooming in/out)</a:t>
+              <a:rPr lang="en-GB" dirty="0"/>
+              <a:t>The viewport is the part of the webpage that the user can currently see. The scrollbars move the viewport to show other parts of the page.</a:t>
+            </a:r>
+          </a:p>
+          <a:p>
+            <a:r>
+              <a:rPr lang="en-GB" dirty="0" err="1"/>
+              <a:t>E.g</a:t>
+            </a:r>
+            <a:r>
+              <a:rPr lang="en-GB" dirty="0"/>
+              <a:t>:</a:t>
+            </a:r>
+          </a:p>
+          <a:p>
+            <a:pPr marL="0" indent="0">
+              <a:buNone/>
+            </a:pPr>
+            <a:r>
+              <a:rPr lang="en-GB" dirty="0"/>
+              <a:t>   &lt;meta name="viewport" content="width=device-width, initial-scale=1.0, maximum-scale=1.0, user-scalable=no" /&gt;</a:t>
+            </a:r>
+          </a:p>
+          <a:p>
+            <a:endParaRPr lang="en-GB" dirty="0"/>
+          </a:p>
+          <a:p>
+            <a:endParaRPr lang="en-GB" dirty="0"/>
+          </a:p>
+          <a:p>
+            <a:endParaRPr lang="en-GB" dirty="0"/>
+          </a:p>
+          <a:p>
+            <a:endParaRPr lang="en-GB" dirty="0"/>
+          </a:p>
+          <a:p>
+            <a:r>
+              <a:rPr lang="en-GB" dirty="0">
+                <a:hlinkClick r:id="rId3" action="ppaction://hlinkfile"/>
+              </a:rPr>
+              <a:t>Demo</a:t>
             </a:r>
             <a:endParaRPr lang="en-GB" dirty="0"/>
           </a:p>
@@ -14151,7 +14392,7 @@
           <p:cNvPr id="4" name="Slide Number Placeholder 3">
             <a:extLst>
               <a:ext uri="{FF2B5EF4-FFF2-40B4-BE49-F238E27FC236}">
-                <a16:creationId xmlns:a16="http://schemas.microsoft.com/office/drawing/2014/main" id="{20D21318-5F8A-432A-A712-6BE6F47BA923}"/>
+                <a16:creationId xmlns:a16="http://schemas.microsoft.com/office/drawing/2014/main" id="{730FC76D-4D7B-4463-A546-FE331CB212A4}"/>
               </a:ext>
             </a:extLst>
           </p:cNvPr>
@@ -14178,7 +14419,7 @@
     </p:spTree>
     <p:extLst>
       <p:ext uri="{BB962C8B-B14F-4D97-AF65-F5344CB8AC3E}">
-        <p14:creationId xmlns:p14="http://schemas.microsoft.com/office/powerpoint/2010/main" val="3302055220"/>
+        <p14:creationId xmlns:p14="http://schemas.microsoft.com/office/powerpoint/2010/main" val="4066997229"/>
       </p:ext>
     </p:extLst>
   </p:cSld>

--- a/knowledgeSharing/TODO/Responsive Layout/Responsive Layout2.pptx
+++ b/knowledgeSharing/TODO/Responsive Layout/Responsive Layout2.pptx
@@ -6,7 +6,7 @@
     <p:sldMasterId id="2147483668" r:id="rId2"/>
   </p:sldMasterIdLst>
   <p:notesMasterIdLst>
-    <p:notesMasterId r:id="rId24"/>
+    <p:notesMasterId r:id="rId25"/>
   </p:notesMasterIdLst>
   <p:sldIdLst>
     <p:sldId id="256" r:id="rId3"/>
@@ -26,10 +26,11 @@
     <p:sldId id="271" r:id="rId17"/>
     <p:sldId id="277" r:id="rId18"/>
     <p:sldId id="276" r:id="rId19"/>
-    <p:sldId id="272" r:id="rId20"/>
-    <p:sldId id="273" r:id="rId21"/>
-    <p:sldId id="274" r:id="rId22"/>
-    <p:sldId id="260" r:id="rId23"/>
+    <p:sldId id="279" r:id="rId20"/>
+    <p:sldId id="272" r:id="rId21"/>
+    <p:sldId id="273" r:id="rId22"/>
+    <p:sldId id="274" r:id="rId23"/>
+    <p:sldId id="260" r:id="rId24"/>
   </p:sldIdLst>
   <p:sldSz cx="12192000" cy="6858000"/>
   <p:notesSz cx="6858000" cy="9144000"/>
@@ -138,7 +139,7 @@
 
 <file path=ppt/commentAuthors.xml><?xml version="1.0" encoding="utf-8"?>
 <p:cmAuthorLst xmlns:a="http://schemas.openxmlformats.org/drawingml/2006/main" xmlns:r="http://schemas.openxmlformats.org/officeDocument/2006/relationships" xmlns:p="http://schemas.openxmlformats.org/presentationml/2006/main">
-  <p:cmAuthor id="1" name="Gu, Xie Hai Bran" initials="GXHB" lastIdx="1" clrIdx="0">
+  <p:cmAuthor id="1" name="Gu, Xie Hai Bran" initials="GXHB" lastIdx="3" clrIdx="0">
     <p:extLst>
       <p:ext uri="{19B8F6BF-5375-455C-9EA6-DF929625EA0E}">
         <p15:presenceInfo xmlns:p15="http://schemas.microsoft.com/office/powerpoint/2012/main" userId="S-1-5-21-606747145-796845957-725345543-739418" providerId="AD"/>
@@ -146,6 +147,32 @@
     </p:extLst>
   </p:cmAuthor>
 </p:cmAuthorLst>
+</file>
+
+<file path=ppt/comments/comment1.xml><?xml version="1.0" encoding="utf-8"?>
+<p:cmLst xmlns:a="http://schemas.openxmlformats.org/drawingml/2006/main" xmlns:r="http://schemas.openxmlformats.org/officeDocument/2006/relationships" xmlns:p="http://schemas.openxmlformats.org/presentationml/2006/main">
+  <p:cm authorId="1" dt="2018-10-15T09:46:09.359" idx="2">
+    <p:pos x="10" y="10"/>
+    <p:text/>
+    <p:extLst>
+      <p:ext uri="{C676402C-5697-4E1C-873F-D02D1690AC5C}">
+        <p15:threadingInfo xmlns:p15="http://schemas.microsoft.com/office/powerpoint/2012/main" timeZoneBias="-480"/>
+      </p:ext>
+    </p:extLst>
+  </p:cm>
+  <p:cm authorId="1" dt="2018-10-15T09:46:41.594" idx="3">
+    <p:pos x="106" y="106"/>
+    <p:text>Visual Viewport(度量):window.innerWidth
+Layout Viewport(布局):window.body.clientWidth
+width=device-width(layout width = device-width)
+initial-scale=1 (visual viewport = layout viewport)</p:text>
+    <p:extLst>
+      <p:ext uri="{C676402C-5697-4E1C-873F-D02D1690AC5C}">
+        <p15:threadingInfo xmlns:p15="http://schemas.microsoft.com/office/powerpoint/2012/main" timeZoneBias="-480"/>
+      </p:ext>
+    </p:extLst>
+  </p:cm>
+</p:cmLst>
 </file>
 
 <file path=ppt/notesMasters/notesMaster1.xml><?xml version="1.0" encoding="utf-8"?>
@@ -230,7 +257,7 @@
           <a:p>
             <a:fld id="{C00C5E0D-B76F-47A8-91B1-C71AD6BE59C3}" type="datetimeFigureOut">
               <a:rPr lang="en-GB" smtClean="0"/>
-              <a:t>22/08/2018</a:t>
+              <a:t>15/10/2018</a:t>
             </a:fld>
             <a:endParaRPr lang="en-GB" dirty="0"/>
           </a:p>
@@ -1328,7 +1355,7 @@
     </p:spTree>
     <p:extLst>
       <p:ext uri="{BB962C8B-B14F-4D97-AF65-F5344CB8AC3E}">
-        <p14:creationId xmlns:p14="http://schemas.microsoft.com/office/powerpoint/2010/main" val="3495065490"/>
+        <p14:creationId xmlns:p14="http://schemas.microsoft.com/office/powerpoint/2010/main" val="2920773093"/>
       </p:ext>
     </p:extLst>
   </p:cSld>
@@ -1412,7 +1439,7 @@
     </p:spTree>
     <p:extLst>
       <p:ext uri="{BB962C8B-B14F-4D97-AF65-F5344CB8AC3E}">
-        <p14:creationId xmlns:p14="http://schemas.microsoft.com/office/powerpoint/2010/main" val="2100701845"/>
+        <p14:creationId xmlns:p14="http://schemas.microsoft.com/office/powerpoint/2010/main" val="3495065490"/>
       </p:ext>
     </p:extLst>
   </p:cSld>
@@ -1585,7 +1612,7 @@
     </p:spTree>
     <p:extLst>
       <p:ext uri="{BB962C8B-B14F-4D97-AF65-F5344CB8AC3E}">
-        <p14:creationId xmlns:p14="http://schemas.microsoft.com/office/powerpoint/2010/main" val="1981961467"/>
+        <p14:creationId xmlns:p14="http://schemas.microsoft.com/office/powerpoint/2010/main" val="2100701845"/>
       </p:ext>
     </p:extLst>
   </p:cSld>
@@ -1622,6 +1649,90 @@
             <p:ph type="sldImg"/>
           </p:nvPr>
         </p:nvSpPr>
+        <p:spPr/>
+      </p:sp>
+      <p:sp>
+        <p:nvSpPr>
+          <p:cNvPr id="3" name="Notes Placeholder 2"/>
+          <p:cNvSpPr>
+            <a:spLocks noGrp="1"/>
+          </p:cNvSpPr>
+          <p:nvPr>
+            <p:ph type="body" idx="1"/>
+          </p:nvPr>
+        </p:nvSpPr>
+        <p:spPr/>
+        <p:txBody>
+          <a:bodyPr/>
+          <a:lstStyle/>
+          <a:p>
+            <a:endParaRPr lang="en-GB"/>
+          </a:p>
+        </p:txBody>
+      </p:sp>
+      <p:sp>
+        <p:nvSpPr>
+          <p:cNvPr id="4" name="Slide Number Placeholder 3"/>
+          <p:cNvSpPr>
+            <a:spLocks noGrp="1"/>
+          </p:cNvSpPr>
+          <p:nvPr>
+            <p:ph type="sldNum" sz="quarter" idx="10"/>
+          </p:nvPr>
+        </p:nvSpPr>
+        <p:spPr/>
+        <p:txBody>
+          <a:bodyPr/>
+          <a:lstStyle/>
+          <a:p>
+            <a:fld id="{AD2EC2AB-FD5C-4EF7-AF8D-FB95907AF3A4}" type="slidenum">
+              <a:rPr lang="en-GB" smtClean="0"/>
+              <a:t>21</a:t>
+            </a:fld>
+            <a:endParaRPr lang="en-GB" dirty="0"/>
+          </a:p>
+        </p:txBody>
+      </p:sp>
+    </p:spTree>
+    <p:extLst>
+      <p:ext uri="{BB962C8B-B14F-4D97-AF65-F5344CB8AC3E}">
+        <p14:creationId xmlns:p14="http://schemas.microsoft.com/office/powerpoint/2010/main" val="1981961467"/>
+      </p:ext>
+    </p:extLst>
+  </p:cSld>
+  <p:clrMapOvr>
+    <a:masterClrMapping/>
+  </p:clrMapOvr>
+</p:notes>
+</file>
+
+<file path=ppt/notesSlides/notesSlide22.xml><?xml version="1.0" encoding="utf-8"?>
+<p:notes xmlns:a="http://schemas.openxmlformats.org/drawingml/2006/main" xmlns:r="http://schemas.openxmlformats.org/officeDocument/2006/relationships" xmlns:p="http://schemas.openxmlformats.org/presentationml/2006/main">
+  <p:cSld>
+    <p:spTree>
+      <p:nvGrpSpPr>
+        <p:cNvPr id="1" name=""/>
+        <p:cNvGrpSpPr/>
+        <p:nvPr/>
+      </p:nvGrpSpPr>
+      <p:grpSpPr>
+        <a:xfrm>
+          <a:off x="0" y="0"/>
+          <a:ext cx="0" cy="0"/>
+          <a:chOff x="0" y="0"/>
+          <a:chExt cx="0" cy="0"/>
+        </a:xfrm>
+      </p:grpSpPr>
+      <p:sp>
+        <p:nvSpPr>
+          <p:cNvPr id="2" name="Slide Image Placeholder 1"/>
+          <p:cNvSpPr>
+            <a:spLocks noGrp="1" noRot="1" noChangeAspect="1"/>
+          </p:cNvSpPr>
+          <p:nvPr>
+            <p:ph type="sldImg"/>
+          </p:nvPr>
+        </p:nvSpPr>
         <p:spPr>
           <a:xfrm>
             <a:off x="381000" y="685800"/>
@@ -1665,7 +1776,7 @@
           <a:p>
             <a:fld id="{AD2EC2AB-FD5C-4EF7-AF8D-FB95907AF3A4}" type="slidenum">
               <a:rPr lang="en-GB" smtClean="0"/>
-              <a:t>21</a:t>
+              <a:t>22</a:t>
             </a:fld>
             <a:endParaRPr lang="en-GB" dirty="0"/>
           </a:p>
@@ -11394,12 +11505,41 @@
           </a:p>
         </p:txBody>
       </p:sp>
+      <p:sp>
+        <p:nvSpPr>
+          <p:cNvPr id="4" name="Slide Number Placeholder 3">
+            <a:extLst>
+              <a:ext uri="{FF2B5EF4-FFF2-40B4-BE49-F238E27FC236}">
+                <a16:creationId xmlns:a16="http://schemas.microsoft.com/office/drawing/2014/main" id="{ECF367AB-CE42-4145-A86D-A9E10C89A0D4}"/>
+              </a:ext>
+            </a:extLst>
+          </p:cNvPr>
+          <p:cNvSpPr>
+            <a:spLocks noGrp="1"/>
+          </p:cNvSpPr>
+          <p:nvPr>
+            <p:ph type="sldNum" sz="quarter" idx="12"/>
+          </p:nvPr>
+        </p:nvSpPr>
+        <p:spPr/>
+        <p:txBody>
+          <a:bodyPr/>
+          <a:lstStyle/>
+          <a:p>
+            <a:fld id="{5BA07366-CB75-4AA8-9E5B-928B849F427C}" type="slidenum">
+              <a:rPr lang="en-GB" smtClean="0"/>
+              <a:t>11</a:t>
+            </a:fld>
+            <a:endParaRPr lang="en-GB" dirty="0"/>
+          </a:p>
+        </p:txBody>
+      </p:sp>
       <p:pic>
         <p:nvPicPr>
-          <p:cNvPr id="7" name="Content Placeholder 6">
+          <p:cNvPr id="10" name="Content Placeholder 9">
             <a:extLst>
               <a:ext uri="{FF2B5EF4-FFF2-40B4-BE49-F238E27FC236}">
-                <a16:creationId xmlns:a16="http://schemas.microsoft.com/office/drawing/2014/main" id="{C5BA8251-553B-4806-971B-B69AD25018D1}"/>
+                <a16:creationId xmlns:a16="http://schemas.microsoft.com/office/drawing/2014/main" id="{5DC07B93-10DA-4A9D-82AD-3DD8AD44BED5}"/>
               </a:ext>
             </a:extLst>
           </p:cNvPr>
@@ -11418,43 +11558,14 @@
         </p:blipFill>
         <p:spPr>
           <a:xfrm>
-            <a:off x="2507664" y="1268413"/>
-            <a:ext cx="7176673" cy="4645025"/>
+            <a:off x="2124075" y="2228850"/>
+            <a:ext cx="7943850" cy="2724150"/>
           </a:xfrm>
           <a:prstGeom prst="rect">
             <a:avLst/>
           </a:prstGeom>
         </p:spPr>
       </p:pic>
-      <p:sp>
-        <p:nvSpPr>
-          <p:cNvPr id="4" name="Slide Number Placeholder 3">
-            <a:extLst>
-              <a:ext uri="{FF2B5EF4-FFF2-40B4-BE49-F238E27FC236}">
-                <a16:creationId xmlns:a16="http://schemas.microsoft.com/office/drawing/2014/main" id="{ECF367AB-CE42-4145-A86D-A9E10C89A0D4}"/>
-              </a:ext>
-            </a:extLst>
-          </p:cNvPr>
-          <p:cNvSpPr>
-            <a:spLocks noGrp="1"/>
-          </p:cNvSpPr>
-          <p:nvPr>
-            <p:ph type="sldNum" sz="quarter" idx="12"/>
-          </p:nvPr>
-        </p:nvSpPr>
-        <p:spPr/>
-        <p:txBody>
-          <a:bodyPr/>
-          <a:lstStyle/>
-          <a:p>
-            <a:fld id="{5BA07366-CB75-4AA8-9E5B-928B849F427C}" type="slidenum">
-              <a:rPr lang="en-GB" smtClean="0"/>
-              <a:t>11</a:t>
-            </a:fld>
-            <a:endParaRPr lang="en-GB" dirty="0"/>
-          </a:p>
-        </p:txBody>
-      </p:sp>
     </p:spTree>
     <p:extLst>
       <p:ext uri="{BB962C8B-B14F-4D97-AF65-F5344CB8AC3E}">
@@ -12450,7 +12561,7 @@
           <p:cNvPr id="2" name="Title 1">
             <a:extLst>
               <a:ext uri="{FF2B5EF4-FFF2-40B4-BE49-F238E27FC236}">
-                <a16:creationId xmlns:a16="http://schemas.microsoft.com/office/drawing/2014/main" id="{5480D2DA-73C6-401D-9191-ACE8EB9707D2}"/>
+                <a16:creationId xmlns:a16="http://schemas.microsoft.com/office/drawing/2014/main" id="{3639A675-838C-4891-AD5F-FBA7D067DAC0}"/>
               </a:ext>
             </a:extLst>
           </p:cNvPr>
@@ -12467,9 +12578,33 @@
           <a:lstStyle/>
           <a:p>
             <a:r>
-              <a:rPr lang="en-GB" dirty="0"/>
-              <a:t>Rem</a:t>
-            </a:r>
+              <a:rPr lang="en-US" dirty="0" err="1"/>
+              <a:t>pX</a:t>
+            </a:r>
+            <a:r>
+              <a:rPr lang="zh-CN" altLang="en-US" dirty="0"/>
+              <a:t>，</a:t>
+            </a:r>
+            <a:r>
+              <a:rPr lang="en-US" altLang="zh-CN" dirty="0" err="1"/>
+              <a:t>dp</a:t>
+            </a:r>
+            <a:r>
+              <a:rPr lang="en-US" altLang="zh-CN" dirty="0"/>
+              <a:t>(</a:t>
+            </a:r>
+            <a:r>
+              <a:rPr lang="en-US" altLang="zh-CN" dirty="0" err="1"/>
+              <a:t>pt</a:t>
+            </a:r>
+            <a:r>
+              <a:rPr lang="en-US" altLang="zh-CN" dirty="0"/>
+              <a:t>)</a:t>
+            </a:r>
+            <a:br>
+              <a:rPr lang="en-US" dirty="0"/>
+            </a:br>
+            <a:endParaRPr lang="en-GB" dirty="0"/>
           </a:p>
         </p:txBody>
       </p:sp>
@@ -12478,7 +12613,7 @@
           <p:cNvPr id="3" name="Content Placeholder 2">
             <a:extLst>
               <a:ext uri="{FF2B5EF4-FFF2-40B4-BE49-F238E27FC236}">
-                <a16:creationId xmlns:a16="http://schemas.microsoft.com/office/drawing/2014/main" id="{7DE7386E-0F6D-4455-8DEE-8568945DA4E0}"/>
+                <a16:creationId xmlns:a16="http://schemas.microsoft.com/office/drawing/2014/main" id="{7BC415E4-508A-479C-8555-164314B9322D}"/>
               </a:ext>
             </a:extLst>
           </p:cNvPr>
@@ -12495,19 +12630,72 @@
           <a:lstStyle/>
           <a:p>
             <a:r>
+              <a:rPr lang="en-GB" dirty="0" err="1"/>
+              <a:t>px</a:t>
+            </a:r>
+            <a:r>
               <a:rPr lang="en-GB" dirty="0"/>
-              <a:t>CSS3 introduces a few new units, including the rem unit, which stands for "root </a:t>
+              <a:t>: </a:t>
             </a:r>
             <a:r>
               <a:rPr lang="en-GB" dirty="0" err="1"/>
-              <a:t>em</a:t>
+              <a:t>css</a:t>
             </a:r>
             <a:r>
               <a:rPr lang="en-GB" dirty="0"/>
-              <a:t>“, this almost always means the font size of the &lt;html&gt; element</a:t>
-            </a:r>
-          </a:p>
-          <a:p>
+              <a:t> pixels(Logic pixel ) </a:t>
+            </a:r>
+          </a:p>
+          <a:p>
+            <a:r>
+              <a:rPr lang="en-GB" dirty="0" err="1"/>
+              <a:t>dp,pt</a:t>
+            </a:r>
+            <a:r>
+              <a:rPr lang="en-GB" dirty="0"/>
+              <a:t>: device independent </a:t>
+            </a:r>
+            <a:r>
+              <a:rPr lang="en-GB" dirty="0" err="1"/>
+              <a:t>pixcels</a:t>
+            </a:r>
+            <a:r>
+              <a:rPr lang="en-GB" dirty="0"/>
+              <a:t> (Physical pixels)</a:t>
+            </a:r>
+          </a:p>
+          <a:p>
+            <a:pPr marL="0" indent="0">
+              <a:buNone/>
+            </a:pPr>
+            <a:r>
+              <a:rPr lang="en-GB" dirty="0"/>
+              <a:t>    1px = (</a:t>
+            </a:r>
+            <a:r>
+              <a:rPr lang="en-GB" dirty="0" err="1"/>
+              <a:t>dpr</a:t>
+            </a:r>
+            <a:r>
+              <a:rPr lang="en-GB" dirty="0"/>
+              <a:t>)</a:t>
+            </a:r>
+            <a:r>
+              <a:rPr lang="en-GB" baseline="30000" dirty="0"/>
+              <a:t>2 </a:t>
+            </a:r>
+            <a:r>
+              <a:rPr lang="en-GB" sz="1200" dirty="0"/>
+              <a:t>*</a:t>
+            </a:r>
+            <a:r>
+              <a:rPr lang="en-GB" dirty="0"/>
+              <a:t> </a:t>
+            </a:r>
+            <a:r>
+              <a:rPr lang="en-GB" dirty="0" err="1"/>
+              <a:t>dp</a:t>
+            </a:r>
             <a:endParaRPr lang="en-GB" dirty="0"/>
           </a:p>
         </p:txBody>
@@ -12517,7 +12705,7 @@
           <p:cNvPr id="4" name="Slide Number Placeholder 3">
             <a:extLst>
               <a:ext uri="{FF2B5EF4-FFF2-40B4-BE49-F238E27FC236}">
-                <a16:creationId xmlns:a16="http://schemas.microsoft.com/office/drawing/2014/main" id="{CEEFA23F-3CBC-4190-BEBF-0201E596DDC7}"/>
+                <a16:creationId xmlns:a16="http://schemas.microsoft.com/office/drawing/2014/main" id="{0DD9990B-5631-448A-B5DE-858301B8703E}"/>
               </a:ext>
             </a:extLst>
           </p:cNvPr>
@@ -12544,7 +12732,7 @@
     </p:spTree>
     <p:extLst>
       <p:ext uri="{BB962C8B-B14F-4D97-AF65-F5344CB8AC3E}">
-        <p14:creationId xmlns:p14="http://schemas.microsoft.com/office/powerpoint/2010/main" val="3202059699"/>
+        <p14:creationId xmlns:p14="http://schemas.microsoft.com/office/powerpoint/2010/main" val="2408508578"/>
       </p:ext>
     </p:extLst>
   </p:cSld>
@@ -12576,6 +12764,284 @@
           <p:cNvPr id="2" name="Title 1">
             <a:extLst>
               <a:ext uri="{FF2B5EF4-FFF2-40B4-BE49-F238E27FC236}">
+                <a16:creationId xmlns:a16="http://schemas.microsoft.com/office/drawing/2014/main" id="{5480D2DA-73C6-401D-9191-ACE8EB9707D2}"/>
+              </a:ext>
+            </a:extLst>
+          </p:cNvPr>
+          <p:cNvSpPr>
+            <a:spLocks noGrp="1"/>
+          </p:cNvSpPr>
+          <p:nvPr>
+            <p:ph type="title"/>
+          </p:nvPr>
+        </p:nvSpPr>
+        <p:spPr/>
+        <p:txBody>
+          <a:bodyPr/>
+          <a:lstStyle/>
+          <a:p>
+            <a:r>
+              <a:rPr lang="en-GB" dirty="0"/>
+              <a:t>Rem</a:t>
+            </a:r>
+          </a:p>
+        </p:txBody>
+      </p:sp>
+      <p:sp>
+        <p:nvSpPr>
+          <p:cNvPr id="3" name="Content Placeholder 2">
+            <a:extLst>
+              <a:ext uri="{FF2B5EF4-FFF2-40B4-BE49-F238E27FC236}">
+                <a16:creationId xmlns:a16="http://schemas.microsoft.com/office/drawing/2014/main" id="{7DE7386E-0F6D-4455-8DEE-8568945DA4E0}"/>
+              </a:ext>
+            </a:extLst>
+          </p:cNvPr>
+          <p:cNvSpPr>
+            <a:spLocks noGrp="1"/>
+          </p:cNvSpPr>
+          <p:nvPr>
+            <p:ph idx="1"/>
+          </p:nvPr>
+        </p:nvSpPr>
+        <p:spPr/>
+        <p:txBody>
+          <a:bodyPr/>
+          <a:lstStyle/>
+          <a:p>
+            <a:r>
+              <a:rPr lang="en-GB" dirty="0"/>
+              <a:t>CSS3 introduces a few new units, including the rem unit, which stands for "root </a:t>
+            </a:r>
+            <a:r>
+              <a:rPr lang="en-GB" dirty="0" err="1"/>
+              <a:t>em</a:t>
+            </a:r>
+            <a:r>
+              <a:rPr lang="en-GB" dirty="0"/>
+              <a:t>“, this almost always means the font size of the &lt;html&gt; element</a:t>
+            </a:r>
+          </a:p>
+          <a:p>
+            <a:endParaRPr lang="en-GB" dirty="0"/>
+          </a:p>
+        </p:txBody>
+      </p:sp>
+      <p:sp>
+        <p:nvSpPr>
+          <p:cNvPr id="4" name="Slide Number Placeholder 3">
+            <a:extLst>
+              <a:ext uri="{FF2B5EF4-FFF2-40B4-BE49-F238E27FC236}">
+                <a16:creationId xmlns:a16="http://schemas.microsoft.com/office/drawing/2014/main" id="{CEEFA23F-3CBC-4190-BEBF-0201E596DDC7}"/>
+              </a:ext>
+            </a:extLst>
+          </p:cNvPr>
+          <p:cNvSpPr>
+            <a:spLocks noGrp="1"/>
+          </p:cNvSpPr>
+          <p:nvPr>
+            <p:ph type="sldNum" sz="quarter" idx="12"/>
+          </p:nvPr>
+        </p:nvSpPr>
+        <p:spPr/>
+        <p:txBody>
+          <a:bodyPr/>
+          <a:lstStyle/>
+          <a:p>
+            <a:fld id="{5BA07366-CB75-4AA8-9E5B-928B849F427C}" type="slidenum">
+              <a:rPr lang="en-GB" smtClean="0"/>
+              <a:t>19</a:t>
+            </a:fld>
+            <a:endParaRPr lang="en-GB" dirty="0"/>
+          </a:p>
+        </p:txBody>
+      </p:sp>
+    </p:spTree>
+    <p:extLst>
+      <p:ext uri="{BB962C8B-B14F-4D97-AF65-F5344CB8AC3E}">
+        <p14:creationId xmlns:p14="http://schemas.microsoft.com/office/powerpoint/2010/main" val="3202059699"/>
+      </p:ext>
+    </p:extLst>
+  </p:cSld>
+  <p:clrMapOvr>
+    <a:masterClrMapping/>
+  </p:clrMapOvr>
+</p:sld>
+</file>
+
+<file path=ppt/slides/slide2.xml><?xml version="1.0" encoding="utf-8"?>
+<p:sld xmlns:a="http://schemas.openxmlformats.org/drawingml/2006/main" xmlns:r="http://schemas.openxmlformats.org/officeDocument/2006/relationships" xmlns:p="http://schemas.openxmlformats.org/presentationml/2006/main">
+  <p:cSld>
+    <p:spTree>
+      <p:nvGrpSpPr>
+        <p:cNvPr id="1" name=""/>
+        <p:cNvGrpSpPr/>
+        <p:nvPr/>
+      </p:nvGrpSpPr>
+      <p:grpSpPr>
+        <a:xfrm>
+          <a:off x="0" y="0"/>
+          <a:ext cx="0" cy="0"/>
+          <a:chOff x="0" y="0"/>
+          <a:chExt cx="0" cy="0"/>
+        </a:xfrm>
+      </p:grpSpPr>
+      <p:sp>
+        <p:nvSpPr>
+          <p:cNvPr id="3" name="Title 2"/>
+          <p:cNvSpPr>
+            <a:spLocks noGrp="1"/>
+          </p:cNvSpPr>
+          <p:nvPr>
+            <p:ph type="title"/>
+          </p:nvPr>
+        </p:nvSpPr>
+        <p:spPr/>
+        <p:txBody>
+          <a:bodyPr/>
+          <a:lstStyle/>
+          <a:p>
+            <a:r>
+              <a:rPr lang="en-GB" dirty="0"/>
+              <a:t>W</a:t>
+            </a:r>
+            <a:r>
+              <a:rPr lang="en-US" altLang="zh-CN" dirty="0"/>
+              <a:t>hat is Responsive Layout</a:t>
+            </a:r>
+            <a:endParaRPr lang="en-GB" dirty="0"/>
+          </a:p>
+        </p:txBody>
+      </p:sp>
+      <p:sp>
+        <p:nvSpPr>
+          <p:cNvPr id="4" name="Content Placeholder 3"/>
+          <p:cNvSpPr>
+            <a:spLocks noGrp="1"/>
+          </p:cNvSpPr>
+          <p:nvPr>
+            <p:ph idx="1"/>
+          </p:nvPr>
+        </p:nvSpPr>
+        <p:spPr/>
+        <p:txBody>
+          <a:bodyPr/>
+          <a:lstStyle/>
+          <a:p>
+            <a:r>
+              <a:rPr lang="en-GB" dirty="0"/>
+              <a:t>Pages change/”not change” according to the screen</a:t>
+            </a:r>
+          </a:p>
+          <a:p>
+            <a:endParaRPr lang="en-GB" dirty="0"/>
+          </a:p>
+          <a:p>
+            <a:endParaRPr lang="en-GB" dirty="0"/>
+          </a:p>
+          <a:p>
+            <a:endParaRPr lang="en-GB" dirty="0"/>
+          </a:p>
+          <a:p>
+            <a:endParaRPr lang="en-GB" dirty="0"/>
+          </a:p>
+          <a:p>
+            <a:endParaRPr lang="en-GB" dirty="0"/>
+          </a:p>
+          <a:p>
+            <a:endParaRPr lang="en-GB" dirty="0"/>
+          </a:p>
+          <a:p>
+            <a:endParaRPr lang="en-GB" dirty="0"/>
+          </a:p>
+          <a:p>
+            <a:endParaRPr lang="en-GB" dirty="0"/>
+          </a:p>
+          <a:p>
+            <a:r>
+              <a:rPr lang="en-GB" dirty="0">
+                <a:hlinkClick r:id="rId3" action="ppaction://hlinkfile"/>
+              </a:rPr>
+              <a:t>Demo</a:t>
+            </a:r>
+            <a:endParaRPr lang="en-GB" dirty="0"/>
+          </a:p>
+          <a:p>
+            <a:r>
+              <a:rPr lang="en-GB" dirty="0">
+                <a:hlinkClick r:id="rId4" action="ppaction://hlinkfile"/>
+              </a:rPr>
+              <a:t>D</a:t>
+            </a:r>
+            <a:r>
+              <a:rPr lang="en-US" altLang="zh-CN" dirty="0" err="1">
+                <a:hlinkClick r:id="rId4" action="ppaction://hlinkfile"/>
+              </a:rPr>
+              <a:t>emoRem</a:t>
+            </a:r>
+            <a:endParaRPr lang="en-GB" dirty="0"/>
+          </a:p>
+        </p:txBody>
+      </p:sp>
+      <p:sp>
+        <p:nvSpPr>
+          <p:cNvPr id="6" name="Slide Number Placeholder 5"/>
+          <p:cNvSpPr>
+            <a:spLocks noGrp="1"/>
+          </p:cNvSpPr>
+          <p:nvPr>
+            <p:ph type="sldNum" sz="quarter" idx="12"/>
+          </p:nvPr>
+        </p:nvSpPr>
+        <p:spPr/>
+        <p:txBody>
+          <a:bodyPr>
+            <a:normAutofit/>
+          </a:bodyPr>
+          <a:lstStyle/>
+          <a:p>
+            <a:fld id="{5BA07366-CB75-4AA8-9E5B-928B849F427C}" type="slidenum">
+              <a:rPr lang="en-GB" smtClean="0"/>
+              <a:t>2</a:t>
+            </a:fld>
+            <a:endParaRPr lang="en-GB" dirty="0"/>
+          </a:p>
+        </p:txBody>
+      </p:sp>
+    </p:spTree>
+    <p:extLst>
+      <p:ext uri="{BB962C8B-B14F-4D97-AF65-F5344CB8AC3E}">
+        <p14:creationId xmlns:p14="http://schemas.microsoft.com/office/powerpoint/2010/main" val="4285169968"/>
+      </p:ext>
+    </p:extLst>
+  </p:cSld>
+  <p:clrMapOvr>
+    <a:masterClrMapping/>
+  </p:clrMapOvr>
+</p:sld>
+</file>
+
+<file path=ppt/slides/slide20.xml><?xml version="1.0" encoding="utf-8"?>
+<p:sld xmlns:a="http://schemas.openxmlformats.org/drawingml/2006/main" xmlns:r="http://schemas.openxmlformats.org/officeDocument/2006/relationships" xmlns:p="http://schemas.openxmlformats.org/presentationml/2006/main">
+  <p:cSld>
+    <p:spTree>
+      <p:nvGrpSpPr>
+        <p:cNvPr id="1" name=""/>
+        <p:cNvGrpSpPr/>
+        <p:nvPr/>
+      </p:nvGrpSpPr>
+      <p:grpSpPr>
+        <a:xfrm>
+          <a:off x="0" y="0"/>
+          <a:ext cx="0" cy="0"/>
+          <a:chOff x="0" y="0"/>
+          <a:chExt cx="0" cy="0"/>
+        </a:xfrm>
+      </p:grpSpPr>
+      <p:sp>
+        <p:nvSpPr>
+          <p:cNvPr id="2" name="Title 1">
+            <a:extLst>
+              <a:ext uri="{FF2B5EF4-FFF2-40B4-BE49-F238E27FC236}">
                 <a16:creationId xmlns:a16="http://schemas.microsoft.com/office/drawing/2014/main" id="{85B83C53-5A3D-4ABD-ACB0-D383AB131E06}"/>
               </a:ext>
             </a:extLst>
@@ -12619,7 +13085,7 @@
           <a:p>
             <a:fld id="{5BA07366-CB75-4AA8-9E5B-928B849F427C}" type="slidenum">
               <a:rPr lang="en-GB" smtClean="0"/>
-              <a:t>19</a:t>
+              <a:t>20</a:t>
             </a:fld>
             <a:endParaRPr lang="en-GB" dirty="0"/>
           </a:p>
@@ -12670,390 +13136,6 @@
 </p:sld>
 </file>
 
-<file path=ppt/slides/slide2.xml><?xml version="1.0" encoding="utf-8"?>
-<p:sld xmlns:a="http://schemas.openxmlformats.org/drawingml/2006/main" xmlns:r="http://schemas.openxmlformats.org/officeDocument/2006/relationships" xmlns:p="http://schemas.openxmlformats.org/presentationml/2006/main">
-  <p:cSld>
-    <p:spTree>
-      <p:nvGrpSpPr>
-        <p:cNvPr id="1" name=""/>
-        <p:cNvGrpSpPr/>
-        <p:nvPr/>
-      </p:nvGrpSpPr>
-      <p:grpSpPr>
-        <a:xfrm>
-          <a:off x="0" y="0"/>
-          <a:ext cx="0" cy="0"/>
-          <a:chOff x="0" y="0"/>
-          <a:chExt cx="0" cy="0"/>
-        </a:xfrm>
-      </p:grpSpPr>
-      <p:sp>
-        <p:nvSpPr>
-          <p:cNvPr id="3" name="Title 2"/>
-          <p:cNvSpPr>
-            <a:spLocks noGrp="1"/>
-          </p:cNvSpPr>
-          <p:nvPr>
-            <p:ph type="title"/>
-          </p:nvPr>
-        </p:nvSpPr>
-        <p:spPr/>
-        <p:txBody>
-          <a:bodyPr/>
-          <a:lstStyle/>
-          <a:p>
-            <a:r>
-              <a:rPr lang="en-GB" dirty="0"/>
-              <a:t>W</a:t>
-            </a:r>
-            <a:r>
-              <a:rPr lang="en-US" altLang="zh-CN" dirty="0"/>
-              <a:t>hat is Responsive Layout</a:t>
-            </a:r>
-            <a:endParaRPr lang="en-GB" dirty="0"/>
-          </a:p>
-        </p:txBody>
-      </p:sp>
-      <p:sp>
-        <p:nvSpPr>
-          <p:cNvPr id="4" name="Content Placeholder 3"/>
-          <p:cNvSpPr>
-            <a:spLocks noGrp="1"/>
-          </p:cNvSpPr>
-          <p:nvPr>
-            <p:ph idx="1"/>
-          </p:nvPr>
-        </p:nvSpPr>
-        <p:spPr/>
-        <p:txBody>
-          <a:bodyPr/>
-          <a:lstStyle/>
-          <a:p>
-            <a:r>
-              <a:rPr lang="en-GB" dirty="0"/>
-              <a:t>Pages change/”not change” according to the screen</a:t>
-            </a:r>
-          </a:p>
-          <a:p>
-            <a:endParaRPr lang="en-GB" dirty="0"/>
-          </a:p>
-          <a:p>
-            <a:endParaRPr lang="en-GB" dirty="0"/>
-          </a:p>
-          <a:p>
-            <a:endParaRPr lang="en-GB" dirty="0"/>
-          </a:p>
-          <a:p>
-            <a:endParaRPr lang="en-GB" dirty="0"/>
-          </a:p>
-          <a:p>
-            <a:endParaRPr lang="en-GB" dirty="0"/>
-          </a:p>
-          <a:p>
-            <a:endParaRPr lang="en-GB" dirty="0"/>
-          </a:p>
-          <a:p>
-            <a:endParaRPr lang="en-GB" dirty="0"/>
-          </a:p>
-          <a:p>
-            <a:endParaRPr lang="en-GB" dirty="0"/>
-          </a:p>
-          <a:p>
-            <a:r>
-              <a:rPr lang="en-GB" dirty="0">
-                <a:hlinkClick r:id="rId3" action="ppaction://hlinkfile"/>
-              </a:rPr>
-              <a:t>Demo</a:t>
-            </a:r>
-            <a:endParaRPr lang="en-GB" dirty="0"/>
-          </a:p>
-          <a:p>
-            <a:r>
-              <a:rPr lang="en-GB" dirty="0">
-                <a:hlinkClick r:id="rId4" action="ppaction://hlinkfile"/>
-              </a:rPr>
-              <a:t>D</a:t>
-            </a:r>
-            <a:r>
-              <a:rPr lang="en-US" altLang="zh-CN" dirty="0" err="1">
-                <a:hlinkClick r:id="rId4" action="ppaction://hlinkfile"/>
-              </a:rPr>
-              <a:t>emoRem</a:t>
-            </a:r>
-            <a:endParaRPr lang="en-GB" dirty="0"/>
-          </a:p>
-        </p:txBody>
-      </p:sp>
-      <p:sp>
-        <p:nvSpPr>
-          <p:cNvPr id="6" name="Slide Number Placeholder 5"/>
-          <p:cNvSpPr>
-            <a:spLocks noGrp="1"/>
-          </p:cNvSpPr>
-          <p:nvPr>
-            <p:ph type="sldNum" sz="quarter" idx="12"/>
-          </p:nvPr>
-        </p:nvSpPr>
-        <p:spPr/>
-        <p:txBody>
-          <a:bodyPr>
-            <a:normAutofit/>
-          </a:bodyPr>
-          <a:lstStyle/>
-          <a:p>
-            <a:fld id="{5BA07366-CB75-4AA8-9E5B-928B849F427C}" type="slidenum">
-              <a:rPr lang="en-GB" smtClean="0"/>
-              <a:t>2</a:t>
-            </a:fld>
-            <a:endParaRPr lang="en-GB" dirty="0"/>
-          </a:p>
-        </p:txBody>
-      </p:sp>
-    </p:spTree>
-    <p:extLst>
-      <p:ext uri="{BB962C8B-B14F-4D97-AF65-F5344CB8AC3E}">
-        <p14:creationId xmlns:p14="http://schemas.microsoft.com/office/powerpoint/2010/main" val="4285169968"/>
-      </p:ext>
-    </p:extLst>
-  </p:cSld>
-  <p:clrMapOvr>
-    <a:masterClrMapping/>
-  </p:clrMapOvr>
-</p:sld>
-</file>
-
-<file path=ppt/slides/slide20.xml><?xml version="1.0" encoding="utf-8"?>
-<p:sld xmlns:a="http://schemas.openxmlformats.org/drawingml/2006/main" xmlns:r="http://schemas.openxmlformats.org/officeDocument/2006/relationships" xmlns:p="http://schemas.openxmlformats.org/presentationml/2006/main">
-  <p:cSld>
-    <p:spTree>
-      <p:nvGrpSpPr>
-        <p:cNvPr id="1" name=""/>
-        <p:cNvGrpSpPr/>
-        <p:nvPr/>
-      </p:nvGrpSpPr>
-      <p:grpSpPr>
-        <a:xfrm>
-          <a:off x="0" y="0"/>
-          <a:ext cx="0" cy="0"/>
-          <a:chOff x="0" y="0"/>
-          <a:chExt cx="0" cy="0"/>
-        </a:xfrm>
-      </p:grpSpPr>
-      <p:sp>
-        <p:nvSpPr>
-          <p:cNvPr id="2" name="Title 1">
-            <a:extLst>
-              <a:ext uri="{FF2B5EF4-FFF2-40B4-BE49-F238E27FC236}">
-                <a16:creationId xmlns:a16="http://schemas.microsoft.com/office/drawing/2014/main" id="{6C18C1ED-3539-4128-8FCB-14123883C8EE}"/>
-              </a:ext>
-            </a:extLst>
-          </p:cNvPr>
-          <p:cNvSpPr>
-            <a:spLocks noGrp="1"/>
-          </p:cNvSpPr>
-          <p:nvPr>
-            <p:ph type="title"/>
-          </p:nvPr>
-        </p:nvSpPr>
-        <p:spPr/>
-        <p:txBody>
-          <a:bodyPr/>
-          <a:lstStyle/>
-          <a:p>
-            <a:r>
-              <a:rPr lang="en-GB" dirty="0"/>
-              <a:t>References</a:t>
-            </a:r>
-          </a:p>
-        </p:txBody>
-      </p:sp>
-      <p:sp>
-        <p:nvSpPr>
-          <p:cNvPr id="3" name="Content Placeholder 2">
-            <a:extLst>
-              <a:ext uri="{FF2B5EF4-FFF2-40B4-BE49-F238E27FC236}">
-                <a16:creationId xmlns:a16="http://schemas.microsoft.com/office/drawing/2014/main" id="{2803F120-E660-45FA-A608-B7F9BC101FF7}"/>
-              </a:ext>
-            </a:extLst>
-          </p:cNvPr>
-          <p:cNvSpPr>
-            <a:spLocks noGrp="1"/>
-          </p:cNvSpPr>
-          <p:nvPr>
-            <p:ph idx="1"/>
-          </p:nvPr>
-        </p:nvSpPr>
-        <p:spPr/>
-        <p:txBody>
-          <a:bodyPr/>
-          <a:lstStyle/>
-          <a:p>
-            <a:r>
-              <a:rPr lang="en-GB" dirty="0"/>
-              <a:t>1. </a:t>
-            </a:r>
-            <a:r>
-              <a:rPr lang="en-GB" dirty="0">
-                <a:hlinkClick r:id="rId3"/>
-              </a:rPr>
-              <a:t>https://www.w3schools.com/cssref/css3_pr_mediaquery.asp</a:t>
-            </a:r>
-            <a:endParaRPr lang="en-GB" dirty="0"/>
-          </a:p>
-          <a:p>
-            <a:r>
-              <a:rPr lang="en-GB" dirty="0"/>
-              <a:t>2. </a:t>
-            </a:r>
-            <a:r>
-              <a:rPr lang="en-GB" dirty="0">
-                <a:hlinkClick r:id="rId4"/>
-              </a:rPr>
-              <a:t>https://developer.mozilla.org/en-US/docs/Web/CSS/Media_Queries/Using_media_queries</a:t>
-            </a:r>
-            <a:endParaRPr lang="en-GB" dirty="0"/>
-          </a:p>
-          <a:p>
-            <a:r>
-              <a:rPr lang="en-GB" dirty="0"/>
-              <a:t>3. </a:t>
-            </a:r>
-            <a:r>
-              <a:rPr lang="en-GB" dirty="0">
-                <a:hlinkClick r:id="rId5"/>
-              </a:rPr>
-              <a:t>https://snook.ca/archives/html_and_css/font-size-with-rem</a:t>
-            </a:r>
-            <a:endParaRPr lang="en-GB" dirty="0"/>
-          </a:p>
-          <a:p>
-            <a:r>
-              <a:rPr lang="en-GB" dirty="0"/>
-              <a:t>4. </a:t>
-            </a:r>
-            <a:r>
-              <a:rPr lang="en-GB" dirty="0">
-                <a:hlinkClick r:id="rId6"/>
-              </a:rPr>
-              <a:t>https://en.wikipedia.org/wiki/Viewport</a:t>
-            </a:r>
-            <a:r>
-              <a:rPr lang="en-GB" dirty="0"/>
-              <a:t> </a:t>
-            </a:r>
-          </a:p>
-          <a:p>
-            <a:r>
-              <a:rPr lang="en-GB" dirty="0"/>
-              <a:t>5. </a:t>
-            </a:r>
-            <a:r>
-              <a:rPr lang="en-GB" dirty="0">
-                <a:hlinkClick r:id="rId7"/>
-              </a:rPr>
-              <a:t>https://stackoverflow.com/questions/2939693/what-is-viewport-in-html</a:t>
-            </a:r>
-            <a:endParaRPr lang="en-GB" dirty="0"/>
-          </a:p>
-          <a:p>
-            <a:r>
-              <a:rPr lang="en-GB" dirty="0"/>
-              <a:t>6. </a:t>
-            </a:r>
-            <a:r>
-              <a:rPr lang="en-GB" dirty="0">
-                <a:hlinkClick r:id="rId8"/>
-              </a:rPr>
-              <a:t>https://stackoverflow.com/questions/8785643/what-exactly-is-device-pixel-ratio</a:t>
-            </a:r>
-            <a:endParaRPr lang="en-GB" dirty="0"/>
-          </a:p>
-          <a:p>
-            <a:r>
-              <a:rPr lang="en-GB" dirty="0"/>
-              <a:t>7. </a:t>
-            </a:r>
-            <a:r>
-              <a:rPr lang="en-GB" dirty="0">
-                <a:hlinkClick r:id="rId9"/>
-              </a:rPr>
-              <a:t>https://css-tricks.com/theres-more-to-the-css-rem-unit-than-font-sizing/</a:t>
-            </a:r>
-            <a:endParaRPr lang="en-GB" dirty="0"/>
-          </a:p>
-          <a:p>
-            <a:r>
-              <a:rPr lang="en-GB" dirty="0"/>
-              <a:t>8. </a:t>
-            </a:r>
-            <a:r>
-              <a:rPr lang="en-GB" dirty="0">
-                <a:hlinkClick r:id="rId10"/>
-              </a:rPr>
-              <a:t>https://quirksmode.org/mobile/viewports.html</a:t>
-            </a:r>
-            <a:endParaRPr lang="en-GB" dirty="0"/>
-          </a:p>
-          <a:p>
-            <a:r>
-              <a:rPr lang="en-GB" dirty="0"/>
-              <a:t>9. </a:t>
-            </a:r>
-            <a:r>
-              <a:rPr lang="en-GB" dirty="0">
-                <a:hlinkClick r:id="rId11"/>
-              </a:rPr>
-              <a:t>https://www.cnblogs.com/2050/p/3877280.html</a:t>
-            </a:r>
-            <a:endParaRPr lang="en-GB" dirty="0"/>
-          </a:p>
-          <a:p>
-            <a:endParaRPr lang="en-GB" dirty="0"/>
-          </a:p>
-        </p:txBody>
-      </p:sp>
-      <p:sp>
-        <p:nvSpPr>
-          <p:cNvPr id="4" name="Slide Number Placeholder 3">
-            <a:extLst>
-              <a:ext uri="{FF2B5EF4-FFF2-40B4-BE49-F238E27FC236}">
-                <a16:creationId xmlns:a16="http://schemas.microsoft.com/office/drawing/2014/main" id="{558132EE-9255-4424-A61C-E945B2C04786}"/>
-              </a:ext>
-            </a:extLst>
-          </p:cNvPr>
-          <p:cNvSpPr>
-            <a:spLocks noGrp="1"/>
-          </p:cNvSpPr>
-          <p:nvPr>
-            <p:ph type="sldNum" sz="quarter" idx="12"/>
-          </p:nvPr>
-        </p:nvSpPr>
-        <p:spPr/>
-        <p:txBody>
-          <a:bodyPr/>
-          <a:lstStyle/>
-          <a:p>
-            <a:fld id="{5BA07366-CB75-4AA8-9E5B-928B849F427C}" type="slidenum">
-              <a:rPr lang="en-GB" smtClean="0"/>
-              <a:t>20</a:t>
-            </a:fld>
-            <a:endParaRPr lang="en-GB" dirty="0"/>
-          </a:p>
-        </p:txBody>
-      </p:sp>
-    </p:spTree>
-    <p:extLst>
-      <p:ext uri="{BB962C8B-B14F-4D97-AF65-F5344CB8AC3E}">
-        <p14:creationId xmlns:p14="http://schemas.microsoft.com/office/powerpoint/2010/main" val="2347732600"/>
-      </p:ext>
-    </p:extLst>
-  </p:cSld>
-  <p:clrMapOvr>
-    <a:masterClrMapping/>
-  </p:clrMapOvr>
-</p:sld>
-</file>
-
 <file path=ppt/slides/slide21.xml><?xml version="1.0" encoding="utf-8"?>
 <p:sld xmlns:a="http://schemas.openxmlformats.org/drawingml/2006/main" xmlns:r="http://schemas.openxmlformats.org/officeDocument/2006/relationships" xmlns:p="http://schemas.openxmlformats.org/presentationml/2006/main">
   <p:cSld>
@@ -13073,6 +13155,238 @@
       </p:grpSpPr>
       <p:sp>
         <p:nvSpPr>
+          <p:cNvPr id="2" name="Title 1">
+            <a:extLst>
+              <a:ext uri="{FF2B5EF4-FFF2-40B4-BE49-F238E27FC236}">
+                <a16:creationId xmlns:a16="http://schemas.microsoft.com/office/drawing/2014/main" id="{6C18C1ED-3539-4128-8FCB-14123883C8EE}"/>
+              </a:ext>
+            </a:extLst>
+          </p:cNvPr>
+          <p:cNvSpPr>
+            <a:spLocks noGrp="1"/>
+          </p:cNvSpPr>
+          <p:nvPr>
+            <p:ph type="title"/>
+          </p:nvPr>
+        </p:nvSpPr>
+        <p:spPr/>
+        <p:txBody>
+          <a:bodyPr/>
+          <a:lstStyle/>
+          <a:p>
+            <a:r>
+              <a:rPr lang="en-GB" dirty="0"/>
+              <a:t>References</a:t>
+            </a:r>
+          </a:p>
+        </p:txBody>
+      </p:sp>
+      <p:sp>
+        <p:nvSpPr>
+          <p:cNvPr id="3" name="Content Placeholder 2">
+            <a:extLst>
+              <a:ext uri="{FF2B5EF4-FFF2-40B4-BE49-F238E27FC236}">
+                <a16:creationId xmlns:a16="http://schemas.microsoft.com/office/drawing/2014/main" id="{2803F120-E660-45FA-A608-B7F9BC101FF7}"/>
+              </a:ext>
+            </a:extLst>
+          </p:cNvPr>
+          <p:cNvSpPr>
+            <a:spLocks noGrp="1"/>
+          </p:cNvSpPr>
+          <p:nvPr>
+            <p:ph idx="1"/>
+          </p:nvPr>
+        </p:nvSpPr>
+        <p:spPr/>
+        <p:txBody>
+          <a:bodyPr/>
+          <a:lstStyle/>
+          <a:p>
+            <a:r>
+              <a:rPr lang="en-GB" dirty="0"/>
+              <a:t>1. </a:t>
+            </a:r>
+            <a:r>
+              <a:rPr lang="en-GB" dirty="0">
+                <a:hlinkClick r:id="rId3"/>
+              </a:rPr>
+              <a:t>https://www.w3schools.com/cssref/css3_pr_mediaquery.asp</a:t>
+            </a:r>
+            <a:endParaRPr lang="en-GB" dirty="0"/>
+          </a:p>
+          <a:p>
+            <a:r>
+              <a:rPr lang="en-GB" dirty="0"/>
+              <a:t>2. </a:t>
+            </a:r>
+            <a:r>
+              <a:rPr lang="en-GB" dirty="0">
+                <a:hlinkClick r:id="rId4"/>
+              </a:rPr>
+              <a:t>https://developer.mozilla.org/en-US/docs/Web/CSS/Media_Queries/Using_media_queries</a:t>
+            </a:r>
+            <a:endParaRPr lang="en-GB" dirty="0"/>
+          </a:p>
+          <a:p>
+            <a:r>
+              <a:rPr lang="en-GB" dirty="0"/>
+              <a:t>3. </a:t>
+            </a:r>
+            <a:r>
+              <a:rPr lang="en-GB" dirty="0">
+                <a:hlinkClick r:id="rId5"/>
+              </a:rPr>
+              <a:t>https://snook.ca/archives/html_and_css/font-size-with-rem</a:t>
+            </a:r>
+            <a:endParaRPr lang="en-GB" dirty="0"/>
+          </a:p>
+          <a:p>
+            <a:r>
+              <a:rPr lang="en-GB" dirty="0"/>
+              <a:t>4. </a:t>
+            </a:r>
+            <a:r>
+              <a:rPr lang="en-GB" dirty="0">
+                <a:hlinkClick r:id="rId6"/>
+              </a:rPr>
+              <a:t>https://en.wikipedia.org/wiki/Viewport</a:t>
+            </a:r>
+            <a:r>
+              <a:rPr lang="en-GB" dirty="0"/>
+              <a:t> </a:t>
+            </a:r>
+          </a:p>
+          <a:p>
+            <a:r>
+              <a:rPr lang="en-GB" dirty="0"/>
+              <a:t>5. </a:t>
+            </a:r>
+            <a:r>
+              <a:rPr lang="en-GB" dirty="0">
+                <a:hlinkClick r:id="rId7"/>
+              </a:rPr>
+              <a:t>https://stackoverflow.com/questions/2939693/what-is-viewport-in-html</a:t>
+            </a:r>
+            <a:endParaRPr lang="en-GB" dirty="0"/>
+          </a:p>
+          <a:p>
+            <a:r>
+              <a:rPr lang="en-GB" dirty="0"/>
+              <a:t>6. </a:t>
+            </a:r>
+            <a:r>
+              <a:rPr lang="en-GB" dirty="0">
+                <a:hlinkClick r:id="rId8"/>
+              </a:rPr>
+              <a:t>https://stackoverflow.com/questions/8785643/what-exactly-is-device-pixel-ratio</a:t>
+            </a:r>
+            <a:endParaRPr lang="en-GB" dirty="0"/>
+          </a:p>
+          <a:p>
+            <a:r>
+              <a:rPr lang="en-GB" dirty="0"/>
+              <a:t>7. </a:t>
+            </a:r>
+            <a:r>
+              <a:rPr lang="en-GB" dirty="0">
+                <a:hlinkClick r:id="rId9"/>
+              </a:rPr>
+              <a:t>https://css-tricks.com/theres-more-to-the-css-rem-unit-than-font-sizing/</a:t>
+            </a:r>
+            <a:endParaRPr lang="en-GB" dirty="0"/>
+          </a:p>
+          <a:p>
+            <a:r>
+              <a:rPr lang="en-GB" dirty="0"/>
+              <a:t>8. </a:t>
+            </a:r>
+            <a:r>
+              <a:rPr lang="en-GB" dirty="0">
+                <a:hlinkClick r:id="rId10"/>
+              </a:rPr>
+              <a:t>https://quirksmode.org/mobile/viewports.html</a:t>
+            </a:r>
+            <a:endParaRPr lang="en-GB" dirty="0"/>
+          </a:p>
+          <a:p>
+            <a:r>
+              <a:rPr lang="en-GB" dirty="0"/>
+              <a:t>9. </a:t>
+            </a:r>
+            <a:r>
+              <a:rPr lang="en-GB" dirty="0">
+                <a:hlinkClick r:id="rId11"/>
+              </a:rPr>
+              <a:t>https://www.cnblogs.com/2050/p/3877280.html</a:t>
+            </a:r>
+            <a:endParaRPr lang="en-GB" dirty="0"/>
+          </a:p>
+          <a:p>
+            <a:endParaRPr lang="en-GB" dirty="0"/>
+          </a:p>
+        </p:txBody>
+      </p:sp>
+      <p:sp>
+        <p:nvSpPr>
+          <p:cNvPr id="4" name="Slide Number Placeholder 3">
+            <a:extLst>
+              <a:ext uri="{FF2B5EF4-FFF2-40B4-BE49-F238E27FC236}">
+                <a16:creationId xmlns:a16="http://schemas.microsoft.com/office/drawing/2014/main" id="{558132EE-9255-4424-A61C-E945B2C04786}"/>
+              </a:ext>
+            </a:extLst>
+          </p:cNvPr>
+          <p:cNvSpPr>
+            <a:spLocks noGrp="1"/>
+          </p:cNvSpPr>
+          <p:nvPr>
+            <p:ph type="sldNum" sz="quarter" idx="12"/>
+          </p:nvPr>
+        </p:nvSpPr>
+        <p:spPr/>
+        <p:txBody>
+          <a:bodyPr/>
+          <a:lstStyle/>
+          <a:p>
+            <a:fld id="{5BA07366-CB75-4AA8-9E5B-928B849F427C}" type="slidenum">
+              <a:rPr lang="en-GB" smtClean="0"/>
+              <a:t>21</a:t>
+            </a:fld>
+            <a:endParaRPr lang="en-GB" dirty="0"/>
+          </a:p>
+        </p:txBody>
+      </p:sp>
+    </p:spTree>
+    <p:extLst>
+      <p:ext uri="{BB962C8B-B14F-4D97-AF65-F5344CB8AC3E}">
+        <p14:creationId xmlns:p14="http://schemas.microsoft.com/office/powerpoint/2010/main" val="2347732600"/>
+      </p:ext>
+    </p:extLst>
+  </p:cSld>
+  <p:clrMapOvr>
+    <a:masterClrMapping/>
+  </p:clrMapOvr>
+</p:sld>
+</file>
+
+<file path=ppt/slides/slide22.xml><?xml version="1.0" encoding="utf-8"?>
+<p:sld xmlns:a="http://schemas.openxmlformats.org/drawingml/2006/main" xmlns:r="http://schemas.openxmlformats.org/officeDocument/2006/relationships" xmlns:p="http://schemas.openxmlformats.org/presentationml/2006/main">
+  <p:cSld>
+    <p:spTree>
+      <p:nvGrpSpPr>
+        <p:cNvPr id="1" name=""/>
+        <p:cNvGrpSpPr/>
+        <p:nvPr/>
+      </p:nvGrpSpPr>
+      <p:grpSpPr>
+        <a:xfrm>
+          <a:off x="0" y="0"/>
+          <a:ext cx="0" cy="0"/>
+          <a:chOff x="0" y="0"/>
+          <a:chExt cx="0" cy="0"/>
+        </a:xfrm>
+      </p:grpSpPr>
+      <p:sp>
+        <p:nvSpPr>
           <p:cNvPr id="24" name="Title 23"/>
           <p:cNvSpPr>
             <a:spLocks noGrp="1"/>
@@ -13115,7 +13429,7 @@
             <a:fld id="{5BA07366-CB75-4AA8-9E5B-928B849F427C}" type="slidenum">
               <a:rPr lang="en-GB" smtClean="0"/>
               <a:pPr/>
-              <a:t>21</a:t>
+              <a:t>22</a:t>
             </a:fld>
             <a:endParaRPr lang="en-GB" dirty="0"/>
           </a:p>
@@ -14226,6 +14540,37 @@
               <a:rPr lang="en-US" dirty="0"/>
               <a:t>3. PPI(Pixels Per Inch)</a:t>
             </a:r>
+          </a:p>
+          <a:p>
+            <a:r>
+              <a:rPr lang="en-US" dirty="0"/>
+              <a:t>4. </a:t>
+            </a:r>
+            <a:r>
+              <a:rPr lang="en-US" dirty="0" err="1"/>
+              <a:t>pX</a:t>
+            </a:r>
+            <a:r>
+              <a:rPr lang="zh-CN" altLang="en-US" dirty="0"/>
+              <a:t>，</a:t>
+            </a:r>
+            <a:r>
+              <a:rPr lang="en-US" altLang="zh-CN" dirty="0" err="1"/>
+              <a:t>dp</a:t>
+            </a:r>
+            <a:r>
+              <a:rPr lang="en-US" altLang="zh-CN" dirty="0"/>
+              <a:t>(</a:t>
+            </a:r>
+            <a:r>
+              <a:rPr lang="en-US" altLang="zh-CN" dirty="0" err="1"/>
+              <a:t>pt</a:t>
+            </a:r>
+            <a:r>
+              <a:rPr lang="en-US" altLang="zh-CN" dirty="0"/>
+              <a:t>)</a:t>
+            </a:r>
+            <a:endParaRPr lang="en-US" dirty="0"/>
           </a:p>
           <a:p>
             <a:endParaRPr lang="en-GB" dirty="0"/>
